--- a/paper/figs/nids-workflow.pptx
+++ b/paper/figs/nids-workflow.pptx
@@ -288,7 +288,7 @@
           <a:p>
             <a:fld id="{3F9B73F4-B5EF-4BFE-8F68-05AE23C6DCB2}" type="datetimeFigureOut">
               <a:rPr lang="pt-BR" smtClean="0"/>
-              <a:t>23/09/2019</a:t>
+              <a:t>06/01/2020</a:t>
             </a:fld>
             <a:endParaRPr lang="pt-BR"/>
           </a:p>
@@ -458,7 +458,7 @@
           <a:p>
             <a:fld id="{3F9B73F4-B5EF-4BFE-8F68-05AE23C6DCB2}" type="datetimeFigureOut">
               <a:rPr lang="pt-BR" smtClean="0"/>
-              <a:t>23/09/2019</a:t>
+              <a:t>06/01/2020</a:t>
             </a:fld>
             <a:endParaRPr lang="pt-BR"/>
           </a:p>
@@ -638,7 +638,7 @@
           <a:p>
             <a:fld id="{3F9B73F4-B5EF-4BFE-8F68-05AE23C6DCB2}" type="datetimeFigureOut">
               <a:rPr lang="pt-BR" smtClean="0"/>
-              <a:t>23/09/2019</a:t>
+              <a:t>06/01/2020</a:t>
             </a:fld>
             <a:endParaRPr lang="pt-BR"/>
           </a:p>
@@ -808,7 +808,7 @@
           <a:p>
             <a:fld id="{3F9B73F4-B5EF-4BFE-8F68-05AE23C6DCB2}" type="datetimeFigureOut">
               <a:rPr lang="pt-BR" smtClean="0"/>
-              <a:t>23/09/2019</a:t>
+              <a:t>06/01/2020</a:t>
             </a:fld>
             <a:endParaRPr lang="pt-BR"/>
           </a:p>
@@ -1054,7 +1054,7 @@
           <a:p>
             <a:fld id="{3F9B73F4-B5EF-4BFE-8F68-05AE23C6DCB2}" type="datetimeFigureOut">
               <a:rPr lang="pt-BR" smtClean="0"/>
-              <a:t>23/09/2019</a:t>
+              <a:t>06/01/2020</a:t>
             </a:fld>
             <a:endParaRPr lang="pt-BR"/>
           </a:p>
@@ -1342,7 +1342,7 @@
           <a:p>
             <a:fld id="{3F9B73F4-B5EF-4BFE-8F68-05AE23C6DCB2}" type="datetimeFigureOut">
               <a:rPr lang="pt-BR" smtClean="0"/>
-              <a:t>23/09/2019</a:t>
+              <a:t>06/01/2020</a:t>
             </a:fld>
             <a:endParaRPr lang="pt-BR"/>
           </a:p>
@@ -1764,7 +1764,7 @@
           <a:p>
             <a:fld id="{3F9B73F4-B5EF-4BFE-8F68-05AE23C6DCB2}" type="datetimeFigureOut">
               <a:rPr lang="pt-BR" smtClean="0"/>
-              <a:t>23/09/2019</a:t>
+              <a:t>06/01/2020</a:t>
             </a:fld>
             <a:endParaRPr lang="pt-BR"/>
           </a:p>
@@ -1882,7 +1882,7 @@
           <a:p>
             <a:fld id="{3F9B73F4-B5EF-4BFE-8F68-05AE23C6DCB2}" type="datetimeFigureOut">
               <a:rPr lang="pt-BR" smtClean="0"/>
-              <a:t>23/09/2019</a:t>
+              <a:t>06/01/2020</a:t>
             </a:fld>
             <a:endParaRPr lang="pt-BR"/>
           </a:p>
@@ -1977,7 +1977,7 @@
           <a:p>
             <a:fld id="{3F9B73F4-B5EF-4BFE-8F68-05AE23C6DCB2}" type="datetimeFigureOut">
               <a:rPr lang="pt-BR" smtClean="0"/>
-              <a:t>23/09/2019</a:t>
+              <a:t>06/01/2020</a:t>
             </a:fld>
             <a:endParaRPr lang="pt-BR"/>
           </a:p>
@@ -2254,7 +2254,7 @@
           <a:p>
             <a:fld id="{3F9B73F4-B5EF-4BFE-8F68-05AE23C6DCB2}" type="datetimeFigureOut">
               <a:rPr lang="pt-BR" smtClean="0"/>
-              <a:t>23/09/2019</a:t>
+              <a:t>06/01/2020</a:t>
             </a:fld>
             <a:endParaRPr lang="pt-BR"/>
           </a:p>
@@ -2507,7 +2507,7 @@
           <a:p>
             <a:fld id="{3F9B73F4-B5EF-4BFE-8F68-05AE23C6DCB2}" type="datetimeFigureOut">
               <a:rPr lang="pt-BR" smtClean="0"/>
-              <a:t>23/09/2019</a:t>
+              <a:t>06/01/2020</a:t>
             </a:fld>
             <a:endParaRPr lang="pt-BR"/>
           </a:p>
@@ -2720,7 +2720,7 @@
           <a:p>
             <a:fld id="{3F9B73F4-B5EF-4BFE-8F68-05AE23C6DCB2}" type="datetimeFigureOut">
               <a:rPr lang="pt-BR" smtClean="0"/>
-              <a:t>23/09/2019</a:t>
+              <a:t>06/01/2020</a:t>
             </a:fld>
             <a:endParaRPr lang="pt-BR"/>
           </a:p>
@@ -3103,8 +3103,8 @@
         </p:nvSpPr>
         <p:spPr>
           <a:xfrm>
-            <a:off x="-38942" y="296652"/>
-            <a:ext cx="1009572" cy="646331"/>
+            <a:off x="783475" y="1556792"/>
+            <a:ext cx="1082349" cy="646331"/>
           </a:xfrm>
           <a:prstGeom prst="rect">
             <a:avLst/>
@@ -3120,8 +3120,9 @@
             <a:pPr algn="ctr"/>
             <a:r>
               <a:rPr lang="en-US" dirty="0" smtClean="0"/>
-              <a:t>Negative</a:t>
-            </a:r>
+              <a:t>Malicious</a:t>
+            </a:r>
+            <a:endParaRPr lang="en-US" dirty="0" smtClean="0"/>
           </a:p>
           <a:p>
             <a:pPr algn="ctr"/>
@@ -3141,10 +3142,10 @@
         </p:nvGrpSpPr>
         <p:grpSpPr>
           <a:xfrm>
-            <a:off x="50348" y="1121262"/>
-            <a:ext cx="910377" cy="934363"/>
-            <a:chOff x="8126119" y="548680"/>
-            <a:chExt cx="910377" cy="934363"/>
+            <a:off x="2589195" y="1486525"/>
+            <a:ext cx="830677" cy="934363"/>
+            <a:chOff x="8160947" y="548680"/>
+            <a:chExt cx="830677" cy="934363"/>
           </a:xfrm>
         </p:grpSpPr>
         <p:sp>
@@ -3155,8 +3156,8 @@
           </p:nvSpPr>
           <p:spPr>
             <a:xfrm>
-              <a:off x="8126119" y="836712"/>
-              <a:ext cx="910377" cy="646331"/>
+              <a:off x="8160947" y="836712"/>
+              <a:ext cx="830677" cy="646331"/>
             </a:xfrm>
             <a:prstGeom prst="rect">
               <a:avLst/>
@@ -3171,8 +3172,9 @@
             <a:p>
               <a:r>
                 <a:rPr lang="en-US" dirty="0" smtClean="0"/>
-                <a:t>Positive</a:t>
+                <a:t>Benign</a:t>
               </a:r>
+              <a:endParaRPr lang="en-US" dirty="0" smtClean="0"/>
             </a:p>
             <a:p>
               <a:pPr algn="ctr"/>
@@ -3225,51 +3227,13 @@
       </p:grpSp>
       <p:sp>
         <p:nvSpPr>
-          <p:cNvPr id="5" name="Retângulo 4"/>
-          <p:cNvSpPr/>
-          <p:nvPr/>
-        </p:nvSpPr>
-        <p:spPr>
-          <a:xfrm>
-            <a:off x="1144294" y="42883"/>
-            <a:ext cx="3876230" cy="1873948"/>
-          </a:xfrm>
-          <a:prstGeom prst="rect">
-            <a:avLst/>
-          </a:prstGeom>
-        </p:spPr>
-        <p:style>
-          <a:lnRef idx="2">
-            <a:schemeClr val="dk1"/>
-          </a:lnRef>
-          <a:fillRef idx="1">
-            <a:schemeClr val="lt1"/>
-          </a:fillRef>
-          <a:effectRef idx="0">
-            <a:schemeClr val="dk1"/>
-          </a:effectRef>
-          <a:fontRef idx="minor">
-            <a:schemeClr val="dk1"/>
-          </a:fontRef>
-        </p:style>
-        <p:txBody>
-          <a:bodyPr rtlCol="0" anchor="ctr"/>
-          <a:lstStyle/>
-          <a:p>
-            <a:pPr algn="ctr"/>
-            <a:endParaRPr lang="pt-BR" dirty="0"/>
-          </a:p>
-        </p:txBody>
-      </p:sp>
-      <p:sp>
-        <p:nvSpPr>
           <p:cNvPr id="8" name="CaixaDeTexto 7"/>
           <p:cNvSpPr txBox="1"/>
           <p:nvPr/>
         </p:nvSpPr>
         <p:spPr>
           <a:xfrm>
-            <a:off x="4482369" y="-27384"/>
+            <a:off x="970820" y="37644"/>
             <a:ext cx="596638" cy="646331"/>
           </a:xfrm>
           <a:prstGeom prst="rect">
@@ -3293,261 +3257,6 @@
           </a:p>
         </p:txBody>
       </p:sp>
-      <p:grpSp>
-        <p:nvGrpSpPr>
-          <p:cNvPr id="15" name="Grupo 14"/>
-          <p:cNvGrpSpPr/>
-          <p:nvPr/>
-        </p:nvGrpSpPr>
-        <p:grpSpPr>
-          <a:xfrm>
-            <a:off x="2366578" y="352981"/>
-            <a:ext cx="576064" cy="216024"/>
-            <a:chOff x="2915816" y="5445224"/>
-            <a:chExt cx="576064" cy="216024"/>
-          </a:xfrm>
-        </p:grpSpPr>
-        <p:sp>
-          <p:nvSpPr>
-            <p:cNvPr id="9" name="Retângulo 8"/>
-            <p:cNvSpPr/>
-            <p:nvPr/>
-          </p:nvSpPr>
-          <p:spPr>
-            <a:xfrm>
-              <a:off x="2915816" y="5445224"/>
-              <a:ext cx="72008" cy="216024"/>
-            </a:xfrm>
-            <a:prstGeom prst="rect">
-              <a:avLst/>
-            </a:prstGeom>
-            <a:ln w="3175"/>
-          </p:spPr>
-          <p:style>
-            <a:lnRef idx="2">
-              <a:schemeClr val="dk1"/>
-            </a:lnRef>
-            <a:fillRef idx="1">
-              <a:schemeClr val="lt1"/>
-            </a:fillRef>
-            <a:effectRef idx="0">
-              <a:schemeClr val="dk1"/>
-            </a:effectRef>
-            <a:fontRef idx="minor">
-              <a:schemeClr val="dk1"/>
-            </a:fontRef>
-          </p:style>
-          <p:txBody>
-            <a:bodyPr rtlCol="0" anchor="ctr"/>
-            <a:lstStyle/>
-            <a:p>
-              <a:pPr algn="ctr"/>
-              <a:endParaRPr lang="pt-BR"/>
-            </a:p>
-          </p:txBody>
-        </p:sp>
-        <p:sp>
-          <p:nvSpPr>
-            <p:cNvPr id="10" name="Retângulo 9"/>
-            <p:cNvSpPr/>
-            <p:nvPr/>
-          </p:nvSpPr>
-          <p:spPr>
-            <a:xfrm>
-              <a:off x="2987824" y="5445224"/>
-              <a:ext cx="72008" cy="216024"/>
-            </a:xfrm>
-            <a:prstGeom prst="rect">
-              <a:avLst/>
-            </a:prstGeom>
-            <a:ln w="3175"/>
-          </p:spPr>
-          <p:style>
-            <a:lnRef idx="2">
-              <a:schemeClr val="dk1"/>
-            </a:lnRef>
-            <a:fillRef idx="1">
-              <a:schemeClr val="lt1"/>
-            </a:fillRef>
-            <a:effectRef idx="0">
-              <a:schemeClr val="dk1"/>
-            </a:effectRef>
-            <a:fontRef idx="minor">
-              <a:schemeClr val="dk1"/>
-            </a:fontRef>
-          </p:style>
-          <p:txBody>
-            <a:bodyPr rtlCol="0" anchor="ctr"/>
-            <a:lstStyle/>
-            <a:p>
-              <a:pPr algn="ctr"/>
-              <a:endParaRPr lang="pt-BR"/>
-            </a:p>
-          </p:txBody>
-        </p:sp>
-        <p:sp>
-          <p:nvSpPr>
-            <p:cNvPr id="11" name="Retângulo 10"/>
-            <p:cNvSpPr/>
-            <p:nvPr/>
-          </p:nvSpPr>
-          <p:spPr>
-            <a:xfrm>
-              <a:off x="3059832" y="5445224"/>
-              <a:ext cx="72008" cy="216024"/>
-            </a:xfrm>
-            <a:prstGeom prst="rect">
-              <a:avLst/>
-            </a:prstGeom>
-            <a:ln w="3175"/>
-          </p:spPr>
-          <p:style>
-            <a:lnRef idx="2">
-              <a:schemeClr val="dk1"/>
-            </a:lnRef>
-            <a:fillRef idx="1">
-              <a:schemeClr val="lt1"/>
-            </a:fillRef>
-            <a:effectRef idx="0">
-              <a:schemeClr val="dk1"/>
-            </a:effectRef>
-            <a:fontRef idx="minor">
-              <a:schemeClr val="dk1"/>
-            </a:fontRef>
-          </p:style>
-          <p:txBody>
-            <a:bodyPr rtlCol="0" anchor="ctr"/>
-            <a:lstStyle/>
-            <a:p>
-              <a:pPr algn="ctr"/>
-              <a:endParaRPr lang="pt-BR"/>
-            </a:p>
-          </p:txBody>
-        </p:sp>
-        <p:sp>
-          <p:nvSpPr>
-            <p:cNvPr id="12" name="Retângulo 11"/>
-            <p:cNvSpPr/>
-            <p:nvPr/>
-          </p:nvSpPr>
-          <p:spPr>
-            <a:xfrm>
-              <a:off x="3131840" y="5445224"/>
-              <a:ext cx="72008" cy="216024"/>
-            </a:xfrm>
-            <a:prstGeom prst="rect">
-              <a:avLst/>
-            </a:prstGeom>
-            <a:ln w="3175"/>
-          </p:spPr>
-          <p:style>
-            <a:lnRef idx="2">
-              <a:schemeClr val="dk1"/>
-            </a:lnRef>
-            <a:fillRef idx="1">
-              <a:schemeClr val="lt1"/>
-            </a:fillRef>
-            <a:effectRef idx="0">
-              <a:schemeClr val="dk1"/>
-            </a:effectRef>
-            <a:fontRef idx="minor">
-              <a:schemeClr val="dk1"/>
-            </a:fontRef>
-          </p:style>
-          <p:txBody>
-            <a:bodyPr rtlCol="0" anchor="ctr"/>
-            <a:lstStyle/>
-            <a:p>
-              <a:pPr algn="ctr"/>
-              <a:endParaRPr lang="pt-BR"/>
-            </a:p>
-          </p:txBody>
-        </p:sp>
-        <p:sp>
-          <p:nvSpPr>
-            <p:cNvPr id="13" name="Retângulo 12"/>
-            <p:cNvSpPr/>
-            <p:nvPr/>
-          </p:nvSpPr>
-          <p:spPr>
-            <a:xfrm>
-              <a:off x="3248146" y="5445224"/>
-              <a:ext cx="144016" cy="216024"/>
-            </a:xfrm>
-            <a:prstGeom prst="rect">
-              <a:avLst/>
-            </a:prstGeom>
-            <a:ln>
-              <a:noFill/>
-            </a:ln>
-          </p:spPr>
-          <p:style>
-            <a:lnRef idx="2">
-              <a:schemeClr val="dk1"/>
-            </a:lnRef>
-            <a:fillRef idx="1">
-              <a:schemeClr val="lt1"/>
-            </a:fillRef>
-            <a:effectRef idx="0">
-              <a:schemeClr val="dk1"/>
-            </a:effectRef>
-            <a:fontRef idx="minor">
-              <a:schemeClr val="dk1"/>
-            </a:fontRef>
-          </p:style>
-          <p:txBody>
-            <a:bodyPr rtlCol="0" anchor="ctr"/>
-            <a:lstStyle/>
-            <a:p>
-              <a:pPr algn="ctr"/>
-              <a:r>
-                <a:rPr lang="en-US" dirty="0" smtClean="0"/>
-                <a:t>…</a:t>
-              </a:r>
-              <a:endParaRPr lang="pt-BR" dirty="0"/>
-            </a:p>
-          </p:txBody>
-        </p:sp>
-        <p:sp>
-          <p:nvSpPr>
-            <p:cNvPr id="14" name="Retângulo 13"/>
-            <p:cNvSpPr/>
-            <p:nvPr/>
-          </p:nvSpPr>
-          <p:spPr>
-            <a:xfrm>
-              <a:off x="3419872" y="5445224"/>
-              <a:ext cx="72008" cy="216024"/>
-            </a:xfrm>
-            <a:prstGeom prst="rect">
-              <a:avLst/>
-            </a:prstGeom>
-            <a:ln w="3175"/>
-          </p:spPr>
-          <p:style>
-            <a:lnRef idx="2">
-              <a:schemeClr val="dk1"/>
-            </a:lnRef>
-            <a:fillRef idx="1">
-              <a:schemeClr val="lt1"/>
-            </a:fillRef>
-            <a:effectRef idx="0">
-              <a:schemeClr val="dk1"/>
-            </a:effectRef>
-            <a:fontRef idx="minor">
-              <a:schemeClr val="dk1"/>
-            </a:fontRef>
-          </p:style>
-          <p:txBody>
-            <a:bodyPr rtlCol="0" anchor="ctr"/>
-            <a:lstStyle/>
-            <a:p>
-              <a:pPr algn="ctr"/>
-              <a:endParaRPr lang="pt-BR"/>
-            </a:p>
-          </p:txBody>
-        </p:sp>
-      </p:grpSp>
       <p:sp>
         <p:nvSpPr>
           <p:cNvPr id="16" name="CaixaDeTexto 15"/>
@@ -3556,8 +3265,8 @@
         </p:nvSpPr>
         <p:spPr>
           <a:xfrm>
-            <a:off x="1144294" y="465639"/>
-            <a:ext cx="1244764" cy="369332"/>
+            <a:off x="814263" y="465639"/>
+            <a:ext cx="1021433" cy="646331"/>
           </a:xfrm>
           <a:prstGeom prst="rect">
             <a:avLst/>
@@ -3572,7 +3281,13 @@
           <a:p>
             <a:r>
               <a:rPr lang="en-US" b="1" dirty="0" smtClean="0"/>
-              <a:t>Randomize</a:t>
+              <a:t>Reverse</a:t>
+            </a:r>
+          </a:p>
+          <a:p>
+            <a:r>
+              <a:rPr lang="en-US" b="1" dirty="0" smtClean="0"/>
+              <a:t>Engineer</a:t>
             </a:r>
             <a:endParaRPr lang="pt-BR" b="1" dirty="0"/>
           </a:p>
@@ -3586,8 +3301,8 @@
         </p:nvCxnSpPr>
         <p:spPr>
           <a:xfrm>
-            <a:off x="2357906" y="675008"/>
-            <a:ext cx="848893" cy="0"/>
+            <a:off x="1853850" y="764704"/>
+            <a:ext cx="485902" cy="0"/>
           </a:xfrm>
           <a:prstGeom prst="straightConnector1">
             <a:avLst/>
@@ -3614,14 +3329,14 @@
       </p:cxnSp>
       <p:sp>
         <p:nvSpPr>
-          <p:cNvPr id="19" name="CaixaDeTexto 18"/>
+          <p:cNvPr id="30" name="CaixaDeTexto 29"/>
           <p:cNvSpPr txBox="1"/>
           <p:nvPr/>
         </p:nvSpPr>
         <p:spPr>
           <a:xfrm>
-            <a:off x="2181934" y="1267019"/>
-            <a:ext cx="1007712" cy="369332"/>
+            <a:off x="2495454" y="555556"/>
+            <a:ext cx="1068434" cy="369332"/>
           </a:xfrm>
           <a:prstGeom prst="rect">
             <a:avLst/>
@@ -3635,239 +3350,69 @@
           <a:lstStyle/>
           <a:p>
             <a:r>
-              <a:rPr lang="en-US" b="1" dirty="0" err="1" smtClean="0"/>
-              <a:t>Suricata</a:t>
-            </a:r>
-            <a:r>
               <a:rPr lang="en-US" b="1" dirty="0" smtClean="0"/>
-              <a:t>’</a:t>
+              <a:t>Minimize</a:t>
             </a:r>
             <a:endParaRPr lang="pt-BR" b="1" dirty="0"/>
           </a:p>
         </p:txBody>
       </p:sp>
-      <p:cxnSp>
-        <p:nvCxnSpPr>
-          <p:cNvPr id="22" name="Conector de seta reta 21"/>
-          <p:cNvCxnSpPr/>
-          <p:nvPr/>
-        </p:nvCxnSpPr>
-        <p:spPr>
-          <a:xfrm flipH="1">
-            <a:off x="3097018" y="811721"/>
-            <a:ext cx="488123" cy="513348"/>
-          </a:xfrm>
-          <a:prstGeom prst="straightConnector1">
-            <a:avLst/>
-          </a:prstGeom>
-          <a:ln>
-            <a:headEnd type="none" w="med" len="med"/>
-            <a:tailEnd type="triangle" w="med" len="med"/>
-          </a:ln>
-        </p:spPr>
-        <p:style>
-          <a:lnRef idx="1">
-            <a:schemeClr val="dk1"/>
-          </a:lnRef>
-          <a:fillRef idx="0">
-            <a:schemeClr val="dk1"/>
-          </a:fillRef>
-          <a:effectRef idx="0">
-            <a:schemeClr val="dk1"/>
-          </a:effectRef>
-          <a:fontRef idx="minor">
-            <a:schemeClr val="tx1"/>
-          </a:fontRef>
-        </p:style>
-      </p:cxnSp>
-      <p:sp>
-        <p:nvSpPr>
-          <p:cNvPr id="30" name="CaixaDeTexto 29"/>
-          <p:cNvSpPr txBox="1"/>
-          <p:nvPr/>
-        </p:nvSpPr>
-        <p:spPr>
-          <a:xfrm>
-            <a:off x="3135191" y="434281"/>
-            <a:ext cx="951735" cy="369332"/>
-          </a:xfrm>
-          <a:prstGeom prst="rect">
-            <a:avLst/>
-          </a:prstGeom>
-          <a:noFill/>
-        </p:spPr>
-        <p:txBody>
-          <a:bodyPr wrap="none" rtlCol="0">
-            <a:spAutoFit/>
-          </a:bodyPr>
-          <a:lstStyle/>
-          <a:p>
-            <a:r>
-              <a:rPr lang="en-US" b="1" dirty="0" smtClean="0"/>
-              <a:t>Mutate’</a:t>
-            </a:r>
-            <a:endParaRPr lang="pt-BR" b="1" dirty="0"/>
-          </a:p>
-        </p:txBody>
-      </p:sp>
-      <p:cxnSp>
-        <p:nvCxnSpPr>
-          <p:cNvPr id="41" name="Conector angulado 40"/>
-          <p:cNvCxnSpPr>
-            <a:stCxn id="30" idx="3"/>
-          </p:cNvCxnSpPr>
-          <p:nvPr/>
-        </p:nvCxnSpPr>
-        <p:spPr>
-          <a:xfrm flipH="1">
-            <a:off x="3130484" y="618947"/>
-            <a:ext cx="956442" cy="877169"/>
-          </a:xfrm>
-          <a:prstGeom prst="bentConnector3">
-            <a:avLst>
-              <a:gd name="adj1" fmla="val -23901"/>
-            </a:avLst>
-          </a:prstGeom>
-          <a:ln>
-            <a:headEnd type="triangle" w="med" len="med"/>
-            <a:tailEnd type="none" w="med" len="med"/>
-          </a:ln>
-        </p:spPr>
-        <p:style>
-          <a:lnRef idx="1">
-            <a:schemeClr val="dk1"/>
-          </a:lnRef>
-          <a:fillRef idx="0">
-            <a:schemeClr val="dk1"/>
-          </a:fillRef>
-          <a:effectRef idx="0">
-            <a:schemeClr val="dk1"/>
-          </a:effectRef>
-          <a:fontRef idx="minor">
-            <a:schemeClr val="tx1"/>
-          </a:fontRef>
-        </p:style>
-      </p:cxnSp>
-      <p:sp>
-        <p:nvSpPr>
-          <p:cNvPr id="44" name="CaixaDeTexto 43"/>
-          <p:cNvSpPr txBox="1"/>
-          <p:nvPr/>
-        </p:nvSpPr>
-        <p:spPr>
-          <a:xfrm>
-            <a:off x="2795855" y="825679"/>
-            <a:ext cx="554960" cy="369332"/>
-          </a:xfrm>
-          <a:prstGeom prst="rect">
-            <a:avLst/>
-          </a:prstGeom>
-          <a:noFill/>
-        </p:spPr>
-        <p:txBody>
-          <a:bodyPr wrap="none" rtlCol="0">
-            <a:spAutoFit/>
-          </a:bodyPr>
-          <a:lstStyle/>
-          <a:p>
-            <a:r>
-              <a:rPr lang="en-US" dirty="0" smtClean="0"/>
-              <a:t>rule</a:t>
-            </a:r>
-            <a:endParaRPr lang="pt-BR" dirty="0"/>
-          </a:p>
-        </p:txBody>
-      </p:sp>
-      <p:sp>
-        <p:nvSpPr>
-          <p:cNvPr id="45" name="CaixaDeTexto 44"/>
-          <p:cNvSpPr txBox="1"/>
-          <p:nvPr/>
-        </p:nvSpPr>
-        <p:spPr>
-          <a:xfrm>
-            <a:off x="4274233" y="897687"/>
-            <a:ext cx="801823" cy="369332"/>
-          </a:xfrm>
-          <a:prstGeom prst="rect">
-            <a:avLst/>
-          </a:prstGeom>
-          <a:noFill/>
-        </p:spPr>
-        <p:txBody>
-          <a:bodyPr wrap="none" rtlCol="0">
-            <a:spAutoFit/>
-          </a:bodyPr>
-          <a:lstStyle/>
-          <a:p>
-            <a:r>
-              <a:rPr lang="en-US" dirty="0" smtClean="0"/>
-              <a:t>fitness</a:t>
-            </a:r>
-            <a:endParaRPr lang="pt-BR" dirty="0"/>
-          </a:p>
-        </p:txBody>
-      </p:sp>
-      <p:cxnSp>
-        <p:nvCxnSpPr>
-          <p:cNvPr id="53" name="Conector de seta reta 52"/>
-          <p:cNvCxnSpPr/>
-          <p:nvPr/>
-        </p:nvCxnSpPr>
-        <p:spPr>
-          <a:xfrm>
-            <a:off x="827584" y="824237"/>
-            <a:ext cx="1354350" cy="627792"/>
-          </a:xfrm>
-          <a:prstGeom prst="straightConnector1">
-            <a:avLst/>
-          </a:prstGeom>
-          <a:ln>
-            <a:headEnd type="none" w="med" len="med"/>
-            <a:tailEnd type="triangle" w="med" len="med"/>
-          </a:ln>
-        </p:spPr>
-        <p:style>
-          <a:lnRef idx="1">
-            <a:schemeClr val="dk1"/>
-          </a:lnRef>
-          <a:fillRef idx="0">
-            <a:schemeClr val="dk1"/>
-          </a:fillRef>
-          <a:effectRef idx="0">
-            <a:schemeClr val="dk1"/>
-          </a:effectRef>
-          <a:fontRef idx="minor">
-            <a:schemeClr val="tx1"/>
-          </a:fontRef>
-        </p:style>
-      </p:cxnSp>
       <p:grpSp>
         <p:nvGrpSpPr>
-          <p:cNvPr id="26" name="Grupo 25"/>
+          <p:cNvPr id="46" name="Grupo 45"/>
           <p:cNvGrpSpPr/>
           <p:nvPr/>
         </p:nvGrpSpPr>
         <p:grpSpPr>
           <a:xfrm>
-            <a:off x="5205822" y="-27384"/>
-            <a:ext cx="3321335" cy="1944215"/>
-            <a:chOff x="5006999" y="-27384"/>
-            <a:chExt cx="3321335" cy="1944215"/>
+            <a:off x="4797552" y="1619508"/>
+            <a:ext cx="689612" cy="657364"/>
+            <a:chOff x="8253936" y="548680"/>
+            <a:chExt cx="689612" cy="657364"/>
           </a:xfrm>
         </p:grpSpPr>
         <p:sp>
           <p:nvSpPr>
-            <p:cNvPr id="6" name="Retângulo 5"/>
+            <p:cNvPr id="47" name="CaixaDeTexto 46"/>
+            <p:cNvSpPr txBox="1"/>
+            <p:nvPr/>
+          </p:nvSpPr>
+          <p:spPr>
+            <a:xfrm>
+              <a:off x="8253936" y="836712"/>
+              <a:ext cx="689612" cy="369332"/>
+            </a:xfrm>
+            <a:prstGeom prst="rect">
+              <a:avLst/>
+            </a:prstGeom>
+            <a:noFill/>
+          </p:spPr>
+          <p:txBody>
+            <a:bodyPr wrap="none" rtlCol="0">
+              <a:spAutoFit/>
+            </a:bodyPr>
+            <a:lstStyle/>
+            <a:p>
+              <a:r>
+                <a:rPr lang="en-US" dirty="0" smtClean="0"/>
+                <a:t>Rules</a:t>
+              </a:r>
+              <a:endParaRPr lang="pt-BR" dirty="0"/>
+            </a:p>
+          </p:txBody>
+        </p:sp>
+        <p:sp>
+          <p:nvSpPr>
+            <p:cNvPr id="48" name="Cilindro 47"/>
             <p:cNvSpPr/>
             <p:nvPr/>
           </p:nvSpPr>
           <p:spPr>
             <a:xfrm>
-              <a:off x="5006999" y="41682"/>
-              <a:ext cx="3110594" cy="1875149"/>
+              <a:off x="8432635" y="548680"/>
+              <a:ext cx="287302" cy="288032"/>
             </a:xfrm>
-            <a:prstGeom prst="rect">
+            <a:prstGeom prst="can">
               <a:avLst/>
             </a:prstGeom>
           </p:spPr>
@@ -3894,498 +3439,223 @@
             </a:p>
           </p:txBody>
         </p:sp>
-        <p:sp>
-          <p:nvSpPr>
-            <p:cNvPr id="7" name="CaixaDeTexto 6"/>
-            <p:cNvSpPr txBox="1"/>
-            <p:nvPr/>
-          </p:nvSpPr>
-          <p:spPr>
-            <a:xfrm>
-              <a:off x="7596335" y="-27384"/>
-              <a:ext cx="731999" cy="646331"/>
-            </a:xfrm>
-            <a:prstGeom prst="rect">
-              <a:avLst/>
-            </a:prstGeom>
-            <a:noFill/>
-          </p:spPr>
-          <p:txBody>
-            <a:bodyPr wrap="square" rtlCol="0">
-              <a:spAutoFit/>
-            </a:bodyPr>
-            <a:lstStyle/>
-            <a:p>
-              <a:r>
-                <a:rPr lang="pt-BR" sz="3600" dirty="0" smtClean="0">
-                  <a:sym typeface="Wingdings"/>
-                </a:rPr>
-                <a:t></a:t>
-              </a:r>
-              <a:endParaRPr lang="pt-BR" sz="3600" dirty="0"/>
-            </a:p>
-          </p:txBody>
-        </p:sp>
-        <p:grpSp>
-          <p:nvGrpSpPr>
-            <p:cNvPr id="56" name="Grupo 55"/>
-            <p:cNvGrpSpPr/>
-            <p:nvPr/>
-          </p:nvGrpSpPr>
-          <p:grpSpPr>
-            <a:xfrm>
-              <a:off x="5358434" y="188640"/>
-              <a:ext cx="706757" cy="216024"/>
-              <a:chOff x="2915816" y="5445224"/>
-              <a:chExt cx="576064" cy="216024"/>
-            </a:xfrm>
-          </p:grpSpPr>
-          <p:sp>
-            <p:nvSpPr>
-              <p:cNvPr id="58" name="Retângulo 57"/>
-              <p:cNvSpPr/>
-              <p:nvPr/>
-            </p:nvSpPr>
-            <p:spPr>
-              <a:xfrm>
-                <a:off x="2915816" y="5445224"/>
-                <a:ext cx="72008" cy="216024"/>
-              </a:xfrm>
-              <a:prstGeom prst="rect">
-                <a:avLst/>
-              </a:prstGeom>
-              <a:ln w="3175"/>
-            </p:spPr>
-            <p:style>
-              <a:lnRef idx="2">
-                <a:schemeClr val="dk1"/>
-              </a:lnRef>
-              <a:fillRef idx="1">
-                <a:schemeClr val="lt1"/>
-              </a:fillRef>
-              <a:effectRef idx="0">
-                <a:schemeClr val="dk1"/>
-              </a:effectRef>
-              <a:fontRef idx="minor">
-                <a:schemeClr val="dk1"/>
-              </a:fontRef>
-            </p:style>
-            <p:txBody>
-              <a:bodyPr rtlCol="0" anchor="ctr"/>
-              <a:lstStyle/>
-              <a:p>
-                <a:pPr algn="ctr"/>
-                <a:endParaRPr lang="pt-BR"/>
-              </a:p>
-            </p:txBody>
-          </p:sp>
-          <p:sp>
-            <p:nvSpPr>
-              <p:cNvPr id="59" name="Retângulo 58"/>
-              <p:cNvSpPr/>
-              <p:nvPr/>
-            </p:nvSpPr>
-            <p:spPr>
-              <a:xfrm>
-                <a:off x="2987824" y="5445224"/>
-                <a:ext cx="72008" cy="216024"/>
-              </a:xfrm>
-              <a:prstGeom prst="rect">
-                <a:avLst/>
-              </a:prstGeom>
-              <a:ln w="3175"/>
-            </p:spPr>
-            <p:style>
-              <a:lnRef idx="2">
-                <a:schemeClr val="dk1"/>
-              </a:lnRef>
-              <a:fillRef idx="1">
-                <a:schemeClr val="lt1"/>
-              </a:fillRef>
-              <a:effectRef idx="0">
-                <a:schemeClr val="dk1"/>
-              </a:effectRef>
-              <a:fontRef idx="minor">
-                <a:schemeClr val="dk1"/>
-              </a:fontRef>
-            </p:style>
-            <p:txBody>
-              <a:bodyPr rtlCol="0" anchor="ctr"/>
-              <a:lstStyle/>
-              <a:p>
-                <a:pPr algn="ctr"/>
-                <a:endParaRPr lang="pt-BR"/>
-              </a:p>
-            </p:txBody>
-          </p:sp>
-          <p:sp>
-            <p:nvSpPr>
-              <p:cNvPr id="60" name="Retângulo 59"/>
-              <p:cNvSpPr/>
-              <p:nvPr/>
-            </p:nvSpPr>
-            <p:spPr>
-              <a:xfrm>
-                <a:off x="3059832" y="5445224"/>
-                <a:ext cx="72008" cy="216024"/>
-              </a:xfrm>
-              <a:prstGeom prst="rect">
-                <a:avLst/>
-              </a:prstGeom>
-              <a:ln w="3175"/>
-            </p:spPr>
-            <p:style>
-              <a:lnRef idx="2">
-                <a:schemeClr val="dk1"/>
-              </a:lnRef>
-              <a:fillRef idx="1">
-                <a:schemeClr val="lt1"/>
-              </a:fillRef>
-              <a:effectRef idx="0">
-                <a:schemeClr val="dk1"/>
-              </a:effectRef>
-              <a:fontRef idx="minor">
-                <a:schemeClr val="dk1"/>
-              </a:fontRef>
-            </p:style>
-            <p:txBody>
-              <a:bodyPr rtlCol="0" anchor="ctr"/>
-              <a:lstStyle/>
-              <a:p>
-                <a:pPr algn="ctr"/>
-                <a:endParaRPr lang="pt-BR"/>
-              </a:p>
-            </p:txBody>
-          </p:sp>
-          <p:sp>
-            <p:nvSpPr>
-              <p:cNvPr id="61" name="Retângulo 60"/>
-              <p:cNvSpPr/>
-              <p:nvPr/>
-            </p:nvSpPr>
-            <p:spPr>
-              <a:xfrm>
-                <a:off x="3131840" y="5445224"/>
-                <a:ext cx="72008" cy="216024"/>
-              </a:xfrm>
-              <a:prstGeom prst="rect">
-                <a:avLst/>
-              </a:prstGeom>
-              <a:ln w="3175"/>
-            </p:spPr>
-            <p:style>
-              <a:lnRef idx="2">
-                <a:schemeClr val="dk1"/>
-              </a:lnRef>
-              <a:fillRef idx="1">
-                <a:schemeClr val="lt1"/>
-              </a:fillRef>
-              <a:effectRef idx="0">
-                <a:schemeClr val="dk1"/>
-              </a:effectRef>
-              <a:fontRef idx="minor">
-                <a:schemeClr val="dk1"/>
-              </a:fontRef>
-            </p:style>
-            <p:txBody>
-              <a:bodyPr rtlCol="0" anchor="ctr"/>
-              <a:lstStyle/>
-              <a:p>
-                <a:pPr algn="ctr"/>
-                <a:endParaRPr lang="pt-BR"/>
-              </a:p>
-            </p:txBody>
-          </p:sp>
-          <p:sp>
-            <p:nvSpPr>
-              <p:cNvPr id="62" name="Retângulo 61"/>
-              <p:cNvSpPr/>
-              <p:nvPr/>
-            </p:nvSpPr>
-            <p:spPr>
-              <a:xfrm>
-                <a:off x="3248146" y="5445224"/>
-                <a:ext cx="144016" cy="216024"/>
-              </a:xfrm>
-              <a:prstGeom prst="rect">
-                <a:avLst/>
-              </a:prstGeom>
-              <a:ln>
-                <a:noFill/>
-              </a:ln>
-            </p:spPr>
-            <p:style>
-              <a:lnRef idx="2">
-                <a:schemeClr val="dk1"/>
-              </a:lnRef>
-              <a:fillRef idx="1">
-                <a:schemeClr val="lt1"/>
-              </a:fillRef>
-              <a:effectRef idx="0">
-                <a:schemeClr val="dk1"/>
-              </a:effectRef>
-              <a:fontRef idx="minor">
-                <a:schemeClr val="dk1"/>
-              </a:fontRef>
-            </p:style>
-            <p:txBody>
-              <a:bodyPr rtlCol="0" anchor="ctr"/>
-              <a:lstStyle/>
-              <a:p>
-                <a:pPr algn="ctr"/>
-                <a:r>
-                  <a:rPr lang="en-US" dirty="0" smtClean="0"/>
-                  <a:t>…</a:t>
-                </a:r>
-                <a:endParaRPr lang="pt-BR" dirty="0"/>
-              </a:p>
-            </p:txBody>
-          </p:sp>
-          <p:sp>
-            <p:nvSpPr>
-              <p:cNvPr id="63" name="Retângulo 62"/>
-              <p:cNvSpPr/>
-              <p:nvPr/>
-            </p:nvSpPr>
-            <p:spPr>
-              <a:xfrm>
-                <a:off x="3419872" y="5445224"/>
-                <a:ext cx="72008" cy="216024"/>
-              </a:xfrm>
-              <a:prstGeom prst="rect">
-                <a:avLst/>
-              </a:prstGeom>
-              <a:ln w="3175"/>
-            </p:spPr>
-            <p:style>
-              <a:lnRef idx="2">
-                <a:schemeClr val="dk1"/>
-              </a:lnRef>
-              <a:fillRef idx="1">
-                <a:schemeClr val="lt1"/>
-              </a:fillRef>
-              <a:effectRef idx="0">
-                <a:schemeClr val="dk1"/>
-              </a:effectRef>
-              <a:fontRef idx="minor">
-                <a:schemeClr val="dk1"/>
-              </a:fontRef>
-            </p:style>
-            <p:txBody>
-              <a:bodyPr rtlCol="0" anchor="ctr"/>
-              <a:lstStyle/>
-              <a:p>
-                <a:pPr algn="ctr"/>
-                <a:endParaRPr lang="pt-BR"/>
-              </a:p>
-            </p:txBody>
-          </p:sp>
-        </p:grpSp>
-        <p:sp>
-          <p:nvSpPr>
-            <p:cNvPr id="66" name="CaixaDeTexto 65"/>
-            <p:cNvSpPr txBox="1"/>
-            <p:nvPr/>
-          </p:nvSpPr>
-          <p:spPr>
-            <a:xfrm>
-              <a:off x="5173791" y="1193270"/>
-              <a:ext cx="1236334" cy="369332"/>
-            </a:xfrm>
-            <a:prstGeom prst="rect">
-              <a:avLst/>
-            </a:prstGeom>
-            <a:noFill/>
-          </p:spPr>
-          <p:txBody>
-            <a:bodyPr wrap="square" rtlCol="0">
-              <a:spAutoFit/>
-            </a:bodyPr>
-            <a:lstStyle/>
-            <a:p>
-              <a:r>
-                <a:rPr lang="en-US" b="1" dirty="0" err="1" smtClean="0"/>
-                <a:t>Suricata</a:t>
-              </a:r>
-              <a:r>
-                <a:rPr lang="en-US" b="1" dirty="0" smtClean="0"/>
-                <a:t>’</a:t>
-              </a:r>
-              <a:endParaRPr lang="pt-BR" b="1" dirty="0"/>
-            </a:p>
-          </p:txBody>
-        </p:sp>
-        <p:cxnSp>
-          <p:nvCxnSpPr>
-            <p:cNvPr id="67" name="Conector de seta reta 66"/>
-            <p:cNvCxnSpPr/>
-            <p:nvPr/>
-          </p:nvCxnSpPr>
-          <p:spPr>
-            <a:xfrm flipH="1">
-              <a:off x="6088876" y="737972"/>
-              <a:ext cx="488123" cy="513348"/>
-            </a:xfrm>
-            <a:prstGeom prst="straightConnector1">
-              <a:avLst/>
-            </a:prstGeom>
-            <a:ln>
-              <a:headEnd type="none" w="med" len="med"/>
-              <a:tailEnd type="triangle" w="med" len="med"/>
-            </a:ln>
-          </p:spPr>
-          <p:style>
-            <a:lnRef idx="1">
-              <a:schemeClr val="dk1"/>
-            </a:lnRef>
-            <a:fillRef idx="0">
-              <a:schemeClr val="dk1"/>
-            </a:fillRef>
-            <a:effectRef idx="0">
-              <a:schemeClr val="dk1"/>
-            </a:effectRef>
-            <a:fontRef idx="minor">
-              <a:schemeClr val="tx1"/>
-            </a:fontRef>
-          </p:style>
-        </p:cxnSp>
-        <p:sp>
-          <p:nvSpPr>
-            <p:cNvPr id="68" name="CaixaDeTexto 67"/>
-            <p:cNvSpPr txBox="1"/>
-            <p:nvPr/>
-          </p:nvSpPr>
-          <p:spPr>
-            <a:xfrm>
-              <a:off x="6127048" y="360532"/>
-              <a:ext cx="1167657" cy="369332"/>
-            </a:xfrm>
-            <a:prstGeom prst="rect">
-              <a:avLst/>
-            </a:prstGeom>
-            <a:noFill/>
-          </p:spPr>
-          <p:txBody>
-            <a:bodyPr wrap="square" rtlCol="0">
-              <a:spAutoFit/>
-            </a:bodyPr>
-            <a:lstStyle/>
-            <a:p>
-              <a:r>
-                <a:rPr lang="en-US" b="1" dirty="0" smtClean="0"/>
-                <a:t>Mutate’</a:t>
-              </a:r>
-              <a:endParaRPr lang="pt-BR" b="1" dirty="0"/>
-            </a:p>
-          </p:txBody>
-        </p:sp>
-        <p:cxnSp>
-          <p:nvCxnSpPr>
-            <p:cNvPr id="69" name="Conector angulado 68"/>
-            <p:cNvCxnSpPr/>
-            <p:nvPr/>
-          </p:nvCxnSpPr>
-          <p:spPr>
-            <a:xfrm rot="10800000" flipV="1">
-              <a:off x="6122342" y="558271"/>
-              <a:ext cx="956443" cy="864096"/>
-            </a:xfrm>
-            <a:prstGeom prst="bentConnector3">
-              <a:avLst>
-                <a:gd name="adj1" fmla="val -26797"/>
-              </a:avLst>
-            </a:prstGeom>
-            <a:ln>
-              <a:headEnd type="triangle" w="med" len="med"/>
-              <a:tailEnd type="none" w="med" len="med"/>
-            </a:ln>
-          </p:spPr>
-          <p:style>
-            <a:lnRef idx="1">
-              <a:schemeClr val="dk1"/>
-            </a:lnRef>
-            <a:fillRef idx="0">
-              <a:schemeClr val="dk1"/>
-            </a:fillRef>
-            <a:effectRef idx="0">
-              <a:schemeClr val="dk1"/>
-            </a:effectRef>
-            <a:fontRef idx="minor">
-              <a:schemeClr val="tx1"/>
-            </a:fontRef>
-          </p:style>
-        </p:cxnSp>
-        <p:sp>
-          <p:nvSpPr>
-            <p:cNvPr id="70" name="CaixaDeTexto 69"/>
-            <p:cNvSpPr txBox="1"/>
-            <p:nvPr/>
-          </p:nvSpPr>
-          <p:spPr>
-            <a:xfrm>
-              <a:off x="5787711" y="751930"/>
-              <a:ext cx="680865" cy="369332"/>
-            </a:xfrm>
-            <a:prstGeom prst="rect">
-              <a:avLst/>
-            </a:prstGeom>
-            <a:noFill/>
-          </p:spPr>
-          <p:txBody>
-            <a:bodyPr wrap="square" rtlCol="0">
-              <a:spAutoFit/>
-            </a:bodyPr>
-            <a:lstStyle/>
-            <a:p>
-              <a:r>
-                <a:rPr lang="en-US" dirty="0" smtClean="0"/>
-                <a:t>rule</a:t>
-              </a:r>
-              <a:endParaRPr lang="pt-BR" dirty="0"/>
-            </a:p>
-          </p:txBody>
-        </p:sp>
-        <p:sp>
-          <p:nvSpPr>
-            <p:cNvPr id="71" name="CaixaDeTexto 70"/>
-            <p:cNvSpPr txBox="1"/>
-            <p:nvPr/>
-          </p:nvSpPr>
-          <p:spPr>
-            <a:xfrm>
-              <a:off x="7341049" y="824237"/>
-              <a:ext cx="983734" cy="369332"/>
-            </a:xfrm>
-            <a:prstGeom prst="rect">
-              <a:avLst/>
-            </a:prstGeom>
-            <a:noFill/>
-          </p:spPr>
-          <p:txBody>
-            <a:bodyPr wrap="square" rtlCol="0">
-              <a:spAutoFit/>
-            </a:bodyPr>
-            <a:lstStyle/>
-            <a:p>
-              <a:r>
-                <a:rPr lang="en-US" dirty="0" smtClean="0"/>
-                <a:t>fitness</a:t>
-              </a:r>
-              <a:endParaRPr lang="pt-BR" dirty="0"/>
-            </a:p>
-          </p:txBody>
-        </p:sp>
       </p:grpSp>
       <p:cxnSp>
         <p:nvCxnSpPr>
-          <p:cNvPr id="65" name="Conector de seta reta 64"/>
+          <p:cNvPr id="54" name="Conector de seta reta 53"/>
           <p:cNvCxnSpPr/>
           <p:nvPr/>
         </p:nvCxnSpPr>
         <p:spPr>
           <a:xfrm>
-            <a:off x="4086926" y="548680"/>
-            <a:ext cx="2200773" cy="0"/>
+            <a:off x="3579872" y="764704"/>
+            <a:ext cx="1280160" cy="0"/>
+          </a:xfrm>
+          <a:prstGeom prst="straightConnector1">
+            <a:avLst/>
+          </a:prstGeom>
+          <a:ln>
+            <a:headEnd type="none" w="med" len="med"/>
+            <a:tailEnd type="triangle" w="med" len="med"/>
+          </a:ln>
+        </p:spPr>
+        <p:style>
+          <a:lnRef idx="1">
+            <a:schemeClr val="dk1"/>
+          </a:lnRef>
+          <a:fillRef idx="0">
+            <a:schemeClr val="dk1"/>
+          </a:fillRef>
+          <a:effectRef idx="0">
+            <a:schemeClr val="dk1"/>
+          </a:effectRef>
+          <a:fontRef idx="minor">
+            <a:schemeClr val="tx1"/>
+          </a:fontRef>
+        </p:style>
+      </p:cxnSp>
+      <p:sp>
+        <p:nvSpPr>
+          <p:cNvPr id="73" name="CaixaDeTexto 72"/>
+          <p:cNvSpPr txBox="1"/>
+          <p:nvPr/>
+        </p:nvSpPr>
+        <p:spPr>
+          <a:xfrm>
+            <a:off x="4860032" y="548680"/>
+            <a:ext cx="662361" cy="369332"/>
+          </a:xfrm>
+          <a:prstGeom prst="rect">
+            <a:avLst/>
+          </a:prstGeom>
+          <a:noFill/>
+        </p:spPr>
+        <p:txBody>
+          <a:bodyPr wrap="none" rtlCol="0">
+            <a:spAutoFit/>
+          </a:bodyPr>
+          <a:lstStyle/>
+          <a:p>
+            <a:r>
+              <a:rPr lang="en-US" b="1" dirty="0" smtClean="0"/>
+              <a:t>Rank</a:t>
+            </a:r>
+            <a:endParaRPr lang="pt-BR" b="1" dirty="0"/>
+          </a:p>
+        </p:txBody>
+      </p:sp>
+      <p:sp>
+        <p:nvSpPr>
+          <p:cNvPr id="74" name="CaixaDeTexto 73"/>
+          <p:cNvSpPr txBox="1"/>
+          <p:nvPr/>
+        </p:nvSpPr>
+        <p:spPr>
+          <a:xfrm>
+            <a:off x="2690904" y="46365"/>
+            <a:ext cx="596638" cy="646331"/>
+          </a:xfrm>
+          <a:prstGeom prst="rect">
+            <a:avLst/>
+          </a:prstGeom>
+          <a:noFill/>
+        </p:spPr>
+        <p:txBody>
+          <a:bodyPr wrap="none" rtlCol="0">
+            <a:spAutoFit/>
+          </a:bodyPr>
+          <a:lstStyle/>
+          <a:p>
+            <a:r>
+              <a:rPr lang="pt-BR" sz="3600" dirty="0" smtClean="0">
+                <a:latin typeface="Wingdings" panose="05000000000000000000" pitchFamily="2" charset="2"/>
+                <a:sym typeface="Wingdings"/>
+              </a:rPr>
+              <a:t></a:t>
+            </a:r>
+            <a:endParaRPr lang="pt-BR" sz="3600" dirty="0"/>
+          </a:p>
+        </p:txBody>
+      </p:sp>
+      <p:sp>
+        <p:nvSpPr>
+          <p:cNvPr id="75" name="CaixaDeTexto 74"/>
+          <p:cNvSpPr txBox="1"/>
+          <p:nvPr/>
+        </p:nvSpPr>
+        <p:spPr>
+          <a:xfrm>
+            <a:off x="4860032" y="44624"/>
+            <a:ext cx="596638" cy="646331"/>
+          </a:xfrm>
+          <a:prstGeom prst="rect">
+            <a:avLst/>
+          </a:prstGeom>
+          <a:noFill/>
+        </p:spPr>
+        <p:txBody>
+          <a:bodyPr wrap="none" rtlCol="0">
+            <a:spAutoFit/>
+          </a:bodyPr>
+          <a:lstStyle/>
+          <a:p>
+            <a:r>
+              <a:rPr lang="pt-BR" sz="3600" dirty="0" smtClean="0">
+                <a:latin typeface="Wingdings" panose="05000000000000000000" pitchFamily="2" charset="2"/>
+                <a:sym typeface="Wingdings"/>
+              </a:rPr>
+              <a:t></a:t>
+            </a:r>
+            <a:endParaRPr lang="pt-BR" sz="3600" dirty="0"/>
+          </a:p>
+        </p:txBody>
+      </p:sp>
+      <p:sp>
+        <p:nvSpPr>
+          <p:cNvPr id="35" name="Retângulo 34"/>
+          <p:cNvSpPr/>
+          <p:nvPr/>
+        </p:nvSpPr>
+        <p:spPr>
+          <a:xfrm>
+            <a:off x="395536" y="46365"/>
+            <a:ext cx="5616624" cy="1218005"/>
+          </a:xfrm>
+          <a:prstGeom prst="rect">
+            <a:avLst/>
+          </a:prstGeom>
+          <a:noFill/>
+          <a:ln>
+            <a:solidFill>
+              <a:schemeClr val="tx1"/>
+            </a:solidFill>
+          </a:ln>
+        </p:spPr>
+        <p:style>
+          <a:lnRef idx="2">
+            <a:schemeClr val="accent1">
+              <a:shade val="50000"/>
+            </a:schemeClr>
+          </a:lnRef>
+          <a:fillRef idx="1">
+            <a:schemeClr val="accent1"/>
+          </a:fillRef>
+          <a:effectRef idx="0">
+            <a:schemeClr val="accent1"/>
+          </a:effectRef>
+          <a:fontRef idx="minor">
+            <a:schemeClr val="lt1"/>
+          </a:fontRef>
+        </p:style>
+        <p:txBody>
+          <a:bodyPr rtlCol="0" anchor="ctr"/>
+          <a:lstStyle/>
+          <a:p>
+            <a:pPr algn="ctr"/>
+            <a:endParaRPr lang="en-US"/>
+          </a:p>
+        </p:txBody>
+      </p:sp>
+      <p:sp>
+        <p:nvSpPr>
+          <p:cNvPr id="36" name="CaixaDeTexto 35"/>
+          <p:cNvSpPr txBox="1"/>
+          <p:nvPr/>
+        </p:nvSpPr>
+        <p:spPr>
+          <a:xfrm>
+            <a:off x="-20940" y="1633468"/>
+            <a:ext cx="837089" cy="369332"/>
+          </a:xfrm>
+          <a:prstGeom prst="rect">
+            <a:avLst/>
+          </a:prstGeom>
+          <a:noFill/>
+        </p:spPr>
+        <p:txBody>
+          <a:bodyPr wrap="none" rtlCol="0">
+            <a:spAutoFit/>
+          </a:bodyPr>
+          <a:lstStyle/>
+          <a:p>
+            <a:r>
+              <a:rPr lang="en-US" dirty="0" smtClean="0"/>
+              <a:t>Inputs:</a:t>
+            </a:r>
+            <a:endParaRPr lang="en-US" dirty="0"/>
+          </a:p>
+        </p:txBody>
+      </p:sp>
+      <p:cxnSp>
+        <p:nvCxnSpPr>
+          <p:cNvPr id="50" name="Conector de seta reta 49"/>
+          <p:cNvCxnSpPr/>
+          <p:nvPr/>
+        </p:nvCxnSpPr>
+        <p:spPr>
+          <a:xfrm flipH="1" flipV="1">
+            <a:off x="1324649" y="1052736"/>
+            <a:ext cx="1" cy="548209"/>
           </a:xfrm>
           <a:prstGeom prst="straightConnector1">
             <a:avLst/>
@@ -4412,16 +3682,14 @@
       </p:cxnSp>
       <p:cxnSp>
         <p:nvCxnSpPr>
-          <p:cNvPr id="50" name="Conector de seta reta 49"/>
-          <p:cNvCxnSpPr>
-            <a:endCxn id="16" idx="1"/>
-          </p:cNvCxnSpPr>
+          <p:cNvPr id="76" name="Conector de seta reta 75"/>
+          <p:cNvCxnSpPr/>
           <p:nvPr/>
         </p:nvCxnSpPr>
         <p:spPr>
-          <a:xfrm>
-            <a:off x="827584" y="650305"/>
-            <a:ext cx="316710" cy="0"/>
+          <a:xfrm flipV="1">
+            <a:off x="2988893" y="903244"/>
+            <a:ext cx="330" cy="509532"/>
           </a:xfrm>
           <a:prstGeom prst="straightConnector1">
             <a:avLst/>
@@ -4448,19 +3716,16 @@
       </p:cxnSp>
       <p:cxnSp>
         <p:nvCxnSpPr>
-          <p:cNvPr id="34" name="Conector angulado 33"/>
-          <p:cNvCxnSpPr>
-            <a:stCxn id="3" idx="3"/>
-            <a:endCxn id="66" idx="2"/>
-          </p:cNvCxnSpPr>
+          <p:cNvPr id="77" name="Conector de seta reta 76"/>
+          <p:cNvCxnSpPr/>
           <p:nvPr/>
         </p:nvCxnSpPr>
         <p:spPr>
           <a:xfrm flipV="1">
-            <a:off x="960725" y="1562602"/>
-            <a:ext cx="5030056" cy="169858"/>
-          </a:xfrm>
-          <a:prstGeom prst="bentConnector2">
+            <a:off x="5125253" y="908721"/>
+            <a:ext cx="0" cy="564376"/>
+          </a:xfrm>
+          <a:prstGeom prst="straightConnector1">
             <a:avLst/>
           </a:prstGeom>
           <a:ln>
@@ -4485,14 +3750,14 @@
       </p:cxnSp>
       <p:cxnSp>
         <p:nvCxnSpPr>
-          <p:cNvPr id="57" name="Conector de seta reta 56"/>
+          <p:cNvPr id="78" name="Conector de seta reta 77"/>
           <p:cNvCxnSpPr/>
           <p:nvPr/>
         </p:nvCxnSpPr>
         <p:spPr>
           <a:xfrm>
-            <a:off x="7216029" y="460993"/>
-            <a:ext cx="1307577" cy="4646"/>
+            <a:off x="5580112" y="722090"/>
+            <a:ext cx="648072" cy="0"/>
           </a:xfrm>
           <a:prstGeom prst="straightConnector1">
             <a:avLst/>
@@ -4519,14 +3784,14 @@
       </p:cxnSp>
       <p:sp>
         <p:nvSpPr>
-          <p:cNvPr id="64" name="CaixaDeTexto 63"/>
+          <p:cNvPr id="79" name="CaixaDeTexto 78"/>
           <p:cNvSpPr txBox="1"/>
           <p:nvPr/>
         </p:nvSpPr>
         <p:spPr>
           <a:xfrm>
-            <a:off x="8571655" y="263404"/>
-            <a:ext cx="680865" cy="369332"/>
+            <a:off x="6084168" y="404664"/>
+            <a:ext cx="1922082" cy="646331"/>
           </a:xfrm>
           <a:prstGeom prst="rect">
             <a:avLst/>
@@ -4539,9 +3804,76 @@
           </a:bodyPr>
           <a:lstStyle/>
           <a:p>
+            <a:pPr algn="ctr"/>
             <a:r>
               <a:rPr lang="en-US" dirty="0" smtClean="0"/>
-              <a:t>rule</a:t>
+              <a:t>Ranked list of plausible rules</a:t>
+            </a:r>
+            <a:endParaRPr lang="pt-BR" dirty="0"/>
+          </a:p>
+        </p:txBody>
+      </p:sp>
+      <p:sp>
+        <p:nvSpPr>
+          <p:cNvPr id="80" name="CaixaDeTexto 79"/>
+          <p:cNvSpPr txBox="1"/>
+          <p:nvPr/>
+        </p:nvSpPr>
+        <p:spPr>
+          <a:xfrm>
+            <a:off x="3203848" y="260648"/>
+            <a:ext cx="1922082" cy="369332"/>
+          </a:xfrm>
+          <a:prstGeom prst="rect">
+            <a:avLst/>
+          </a:prstGeom>
+          <a:noFill/>
+        </p:spPr>
+        <p:txBody>
+          <a:bodyPr wrap="square" rtlCol="0">
+            <a:spAutoFit/>
+          </a:bodyPr>
+          <a:lstStyle/>
+          <a:p>
+            <a:pPr algn="ctr"/>
+            <a:r>
+              <a:rPr lang="en-US" dirty="0" smtClean="0"/>
+              <a:t>plausible rules</a:t>
+            </a:r>
+            <a:endParaRPr lang="pt-BR" dirty="0"/>
+          </a:p>
+        </p:txBody>
+      </p:sp>
+      <p:sp>
+        <p:nvSpPr>
+          <p:cNvPr id="81" name="CaixaDeTexto 80"/>
+          <p:cNvSpPr txBox="1"/>
+          <p:nvPr/>
+        </p:nvSpPr>
+        <p:spPr>
+          <a:xfrm>
+            <a:off x="1451999" y="111440"/>
+            <a:ext cx="1354701" cy="646331"/>
+          </a:xfrm>
+          <a:prstGeom prst="rect">
+            <a:avLst/>
+          </a:prstGeom>
+          <a:noFill/>
+        </p:spPr>
+        <p:txBody>
+          <a:bodyPr wrap="square" rtlCol="0">
+            <a:spAutoFit/>
+          </a:bodyPr>
+          <a:lstStyle/>
+          <a:p>
+            <a:pPr algn="ctr"/>
+            <a:r>
+              <a:rPr lang="en-US" dirty="0" err="1" smtClean="0"/>
+              <a:t>overspecific</a:t>
+            </a:r>
+            <a:r>
+              <a:rPr lang="en-US" dirty="0" smtClean="0"/>
+              <a:t> rule</a:t>
             </a:r>
             <a:endParaRPr lang="pt-BR" dirty="0"/>
           </a:p>

--- a/paper/figs/nids-workflow.pptx
+++ b/paper/figs/nids-workflow.pptx
@@ -288,7 +288,7 @@
           <a:p>
             <a:fld id="{3F9B73F4-B5EF-4BFE-8F68-05AE23C6DCB2}" type="datetimeFigureOut">
               <a:rPr lang="pt-BR" smtClean="0"/>
-              <a:t>06/01/2020</a:t>
+              <a:t>24/02/2020</a:t>
             </a:fld>
             <a:endParaRPr lang="pt-BR"/>
           </a:p>
@@ -458,7 +458,7 @@
           <a:p>
             <a:fld id="{3F9B73F4-B5EF-4BFE-8F68-05AE23C6DCB2}" type="datetimeFigureOut">
               <a:rPr lang="pt-BR" smtClean="0"/>
-              <a:t>06/01/2020</a:t>
+              <a:t>24/02/2020</a:t>
             </a:fld>
             <a:endParaRPr lang="pt-BR"/>
           </a:p>
@@ -638,7 +638,7 @@
           <a:p>
             <a:fld id="{3F9B73F4-B5EF-4BFE-8F68-05AE23C6DCB2}" type="datetimeFigureOut">
               <a:rPr lang="pt-BR" smtClean="0"/>
-              <a:t>06/01/2020</a:t>
+              <a:t>24/02/2020</a:t>
             </a:fld>
             <a:endParaRPr lang="pt-BR"/>
           </a:p>
@@ -808,7 +808,7 @@
           <a:p>
             <a:fld id="{3F9B73F4-B5EF-4BFE-8F68-05AE23C6DCB2}" type="datetimeFigureOut">
               <a:rPr lang="pt-BR" smtClean="0"/>
-              <a:t>06/01/2020</a:t>
+              <a:t>24/02/2020</a:t>
             </a:fld>
             <a:endParaRPr lang="pt-BR"/>
           </a:p>
@@ -1054,7 +1054,7 @@
           <a:p>
             <a:fld id="{3F9B73F4-B5EF-4BFE-8F68-05AE23C6DCB2}" type="datetimeFigureOut">
               <a:rPr lang="pt-BR" smtClean="0"/>
-              <a:t>06/01/2020</a:t>
+              <a:t>24/02/2020</a:t>
             </a:fld>
             <a:endParaRPr lang="pt-BR"/>
           </a:p>
@@ -1342,7 +1342,7 @@
           <a:p>
             <a:fld id="{3F9B73F4-B5EF-4BFE-8F68-05AE23C6DCB2}" type="datetimeFigureOut">
               <a:rPr lang="pt-BR" smtClean="0"/>
-              <a:t>06/01/2020</a:t>
+              <a:t>24/02/2020</a:t>
             </a:fld>
             <a:endParaRPr lang="pt-BR"/>
           </a:p>
@@ -1764,7 +1764,7 @@
           <a:p>
             <a:fld id="{3F9B73F4-B5EF-4BFE-8F68-05AE23C6DCB2}" type="datetimeFigureOut">
               <a:rPr lang="pt-BR" smtClean="0"/>
-              <a:t>06/01/2020</a:t>
+              <a:t>24/02/2020</a:t>
             </a:fld>
             <a:endParaRPr lang="pt-BR"/>
           </a:p>
@@ -1882,7 +1882,7 @@
           <a:p>
             <a:fld id="{3F9B73F4-B5EF-4BFE-8F68-05AE23C6DCB2}" type="datetimeFigureOut">
               <a:rPr lang="pt-BR" smtClean="0"/>
-              <a:t>06/01/2020</a:t>
+              <a:t>24/02/2020</a:t>
             </a:fld>
             <a:endParaRPr lang="pt-BR"/>
           </a:p>
@@ -1977,7 +1977,7 @@
           <a:p>
             <a:fld id="{3F9B73F4-B5EF-4BFE-8F68-05AE23C6DCB2}" type="datetimeFigureOut">
               <a:rPr lang="pt-BR" smtClean="0"/>
-              <a:t>06/01/2020</a:t>
+              <a:t>24/02/2020</a:t>
             </a:fld>
             <a:endParaRPr lang="pt-BR"/>
           </a:p>
@@ -2254,7 +2254,7 @@
           <a:p>
             <a:fld id="{3F9B73F4-B5EF-4BFE-8F68-05AE23C6DCB2}" type="datetimeFigureOut">
               <a:rPr lang="pt-BR" smtClean="0"/>
-              <a:t>06/01/2020</a:t>
+              <a:t>24/02/2020</a:t>
             </a:fld>
             <a:endParaRPr lang="pt-BR"/>
           </a:p>
@@ -2507,7 +2507,7 @@
           <a:p>
             <a:fld id="{3F9B73F4-B5EF-4BFE-8F68-05AE23C6DCB2}" type="datetimeFigureOut">
               <a:rPr lang="pt-BR" smtClean="0"/>
-              <a:t>06/01/2020</a:t>
+              <a:t>24/02/2020</a:t>
             </a:fld>
             <a:endParaRPr lang="pt-BR"/>
           </a:p>
@@ -2720,7 +2720,7 @@
           <a:p>
             <a:fld id="{3F9B73F4-B5EF-4BFE-8F68-05AE23C6DCB2}" type="datetimeFigureOut">
               <a:rPr lang="pt-BR" smtClean="0"/>
-              <a:t>06/01/2020</a:t>
+              <a:t>24/02/2020</a:t>
             </a:fld>
             <a:endParaRPr lang="pt-BR"/>
           </a:p>
@@ -3103,7 +3103,7 @@
         </p:nvSpPr>
         <p:spPr>
           <a:xfrm>
-            <a:off x="783475" y="1556792"/>
+            <a:off x="35496" y="404664"/>
             <a:ext cx="1082349" cy="646331"/>
           </a:xfrm>
           <a:prstGeom prst="rect">
@@ -3122,7 +3122,6 @@
               <a:rPr lang="en-US" dirty="0" smtClean="0"/>
               <a:t>Malicious</a:t>
             </a:r>
-            <a:endParaRPr lang="en-US" dirty="0" smtClean="0"/>
           </a:p>
           <a:p>
             <a:pPr algn="ctr"/>
@@ -3142,7 +3141,7 @@
         </p:nvGrpSpPr>
         <p:grpSpPr>
           <a:xfrm>
-            <a:off x="2589195" y="1486525"/>
+            <a:off x="3759210" y="1486525"/>
             <a:ext cx="830677" cy="934363"/>
             <a:chOff x="8160947" y="548680"/>
             <a:chExt cx="830677" cy="934363"/>
@@ -3174,7 +3173,6 @@
                 <a:rPr lang="en-US" dirty="0" smtClean="0"/>
                 <a:t>Benign</a:t>
               </a:r>
-              <a:endParaRPr lang="en-US" dirty="0" smtClean="0"/>
             </a:p>
             <a:p>
               <a:pPr algn="ctr"/>
@@ -3233,7 +3231,7 @@
         </p:nvSpPr>
         <p:spPr>
           <a:xfrm>
-            <a:off x="970820" y="37644"/>
+            <a:off x="2001066" y="37644"/>
             <a:ext cx="596638" cy="646331"/>
           </a:xfrm>
           <a:prstGeom prst="rect">
@@ -3265,8 +3263,8 @@
         </p:nvSpPr>
         <p:spPr>
           <a:xfrm>
-            <a:off x="814263" y="465639"/>
-            <a:ext cx="1021433" cy="646331"/>
+            <a:off x="1677850" y="465639"/>
+            <a:ext cx="1309974" cy="646331"/>
           </a:xfrm>
           <a:prstGeom prst="rect">
             <a:avLst/>
@@ -3279,15 +3277,17 @@
           </a:bodyPr>
           <a:lstStyle/>
           <a:p>
+            <a:pPr algn="ctr"/>
             <a:r>
               <a:rPr lang="en-US" b="1" dirty="0" smtClean="0"/>
               <a:t>Reverse</a:t>
             </a:r>
           </a:p>
           <a:p>
+            <a:pPr algn="ctr"/>
             <a:r>
               <a:rPr lang="en-US" b="1" dirty="0" smtClean="0"/>
-              <a:t>Engineer</a:t>
+              <a:t>Engineering</a:t>
             </a:r>
             <a:endParaRPr lang="pt-BR" b="1" dirty="0"/>
           </a:p>
@@ -3301,7 +3301,7 @@
         </p:nvCxnSpPr>
         <p:spPr>
           <a:xfrm>
-            <a:off x="1853850" y="764704"/>
+            <a:off x="2938742" y="764704"/>
             <a:ext cx="485902" cy="0"/>
           </a:xfrm>
           <a:prstGeom prst="straightConnector1">
@@ -3335,8 +3335,8 @@
         </p:nvSpPr>
         <p:spPr>
           <a:xfrm>
-            <a:off x="2495454" y="555556"/>
-            <a:ext cx="1068434" cy="369332"/>
+            <a:off x="3487633" y="555556"/>
+            <a:ext cx="1449179" cy="369332"/>
           </a:xfrm>
           <a:prstGeom prst="rect">
             <a:avLst/>
@@ -3351,7 +3351,7 @@
           <a:p>
             <a:r>
               <a:rPr lang="en-US" b="1" dirty="0" smtClean="0"/>
-              <a:t>Minimize</a:t>
+              <a:t>Minimization</a:t>
             </a:r>
             <a:endParaRPr lang="pt-BR" b="1" dirty="0"/>
           </a:p>
@@ -3365,10 +3365,10 @@
         </p:nvGrpSpPr>
         <p:grpSpPr>
           <a:xfrm>
-            <a:off x="4797552" y="1619508"/>
-            <a:ext cx="689612" cy="657364"/>
-            <a:chOff x="8253936" y="548680"/>
-            <a:chExt cx="689612" cy="657364"/>
+            <a:off x="5793928" y="1505724"/>
+            <a:ext cx="949940" cy="871647"/>
+            <a:chOff x="8150266" y="548680"/>
+            <a:chExt cx="949940" cy="871647"/>
           </a:xfrm>
         </p:grpSpPr>
         <p:sp>
@@ -3379,8 +3379,8 @@
           </p:nvSpPr>
           <p:spPr>
             <a:xfrm>
-              <a:off x="8253936" y="836712"/>
-              <a:ext cx="689612" cy="369332"/>
+              <a:off x="8150266" y="773996"/>
+              <a:ext cx="949940" cy="646331"/>
             </a:xfrm>
             <a:prstGeom prst="rect">
               <a:avLst/>
@@ -3393,6 +3393,14 @@
             </a:bodyPr>
             <a:lstStyle/>
             <a:p>
+              <a:pPr algn="ctr"/>
+              <a:r>
+                <a:rPr lang="en-US" dirty="0" smtClean="0"/>
+                <a:t>Existing </a:t>
+              </a:r>
+            </a:p>
+            <a:p>
+              <a:pPr algn="ctr"/>
               <a:r>
                 <a:rPr lang="en-US" dirty="0" smtClean="0"/>
                 <a:t>Rules</a:t>
@@ -3440,40 +3448,6 @@
           </p:txBody>
         </p:sp>
       </p:grpSp>
-      <p:cxnSp>
-        <p:nvCxnSpPr>
-          <p:cNvPr id="54" name="Conector de seta reta 53"/>
-          <p:cNvCxnSpPr/>
-          <p:nvPr/>
-        </p:nvCxnSpPr>
-        <p:spPr>
-          <a:xfrm>
-            <a:off x="3579872" y="764704"/>
-            <a:ext cx="1280160" cy="0"/>
-          </a:xfrm>
-          <a:prstGeom prst="straightConnector1">
-            <a:avLst/>
-          </a:prstGeom>
-          <a:ln>
-            <a:headEnd type="none" w="med" len="med"/>
-            <a:tailEnd type="triangle" w="med" len="med"/>
-          </a:ln>
-        </p:spPr>
-        <p:style>
-          <a:lnRef idx="1">
-            <a:schemeClr val="dk1"/>
-          </a:lnRef>
-          <a:fillRef idx="0">
-            <a:schemeClr val="dk1"/>
-          </a:fillRef>
-          <a:effectRef idx="0">
-            <a:schemeClr val="dk1"/>
-          </a:effectRef>
-          <a:fontRef idx="minor">
-            <a:schemeClr val="tx1"/>
-          </a:fontRef>
-        </p:style>
-      </p:cxnSp>
       <p:sp>
         <p:nvSpPr>
           <p:cNvPr id="73" name="CaixaDeTexto 72"/>
@@ -3482,8 +3456,8 @@
         </p:nvSpPr>
         <p:spPr>
           <a:xfrm>
-            <a:off x="4860032" y="548680"/>
-            <a:ext cx="662361" cy="369332"/>
+            <a:off x="5709331" y="548680"/>
+            <a:ext cx="950901" cy="369332"/>
           </a:xfrm>
           <a:prstGeom prst="rect">
             <a:avLst/>
@@ -3498,7 +3472,7 @@
           <a:p>
             <a:r>
               <a:rPr lang="en-US" b="1" dirty="0" smtClean="0"/>
-              <a:t>Rank</a:t>
+              <a:t>Ranking</a:t>
             </a:r>
             <a:endParaRPr lang="pt-BR" b="1" dirty="0"/>
           </a:p>
@@ -3512,7 +3486,7 @@
         </p:nvSpPr>
         <p:spPr>
           <a:xfrm>
-            <a:off x="2690904" y="46365"/>
+            <a:off x="3860919" y="46365"/>
             <a:ext cx="596638" cy="646331"/>
           </a:xfrm>
           <a:prstGeom prst="rect">
@@ -3545,7 +3519,7 @@
         </p:nvSpPr>
         <p:spPr>
           <a:xfrm>
-            <a:off x="4860032" y="44624"/>
+            <a:off x="5890278" y="44624"/>
             <a:ext cx="596638" cy="646331"/>
           </a:xfrm>
           <a:prstGeom prst="rect">
@@ -3578,7 +3552,7 @@
         </p:nvSpPr>
         <p:spPr>
           <a:xfrm>
-            <a:off x="395536" y="46365"/>
+            <a:off x="1425782" y="46365"/>
             <a:ext cx="5616624" cy="1218005"/>
           </a:xfrm>
           <a:prstGeom prst="rect">
@@ -3616,70 +3590,6 @@
           </a:p>
         </p:txBody>
       </p:sp>
-      <p:sp>
-        <p:nvSpPr>
-          <p:cNvPr id="36" name="CaixaDeTexto 35"/>
-          <p:cNvSpPr txBox="1"/>
-          <p:nvPr/>
-        </p:nvSpPr>
-        <p:spPr>
-          <a:xfrm>
-            <a:off x="-20940" y="1633468"/>
-            <a:ext cx="837089" cy="369332"/>
-          </a:xfrm>
-          <a:prstGeom prst="rect">
-            <a:avLst/>
-          </a:prstGeom>
-          <a:noFill/>
-        </p:spPr>
-        <p:txBody>
-          <a:bodyPr wrap="none" rtlCol="0">
-            <a:spAutoFit/>
-          </a:bodyPr>
-          <a:lstStyle/>
-          <a:p>
-            <a:r>
-              <a:rPr lang="en-US" dirty="0" smtClean="0"/>
-              <a:t>Inputs:</a:t>
-            </a:r>
-            <a:endParaRPr lang="en-US" dirty="0"/>
-          </a:p>
-        </p:txBody>
-      </p:sp>
-      <p:cxnSp>
-        <p:nvCxnSpPr>
-          <p:cNvPr id="50" name="Conector de seta reta 49"/>
-          <p:cNvCxnSpPr/>
-          <p:nvPr/>
-        </p:nvCxnSpPr>
-        <p:spPr>
-          <a:xfrm flipH="1" flipV="1">
-            <a:off x="1324649" y="1052736"/>
-            <a:ext cx="1" cy="548209"/>
-          </a:xfrm>
-          <a:prstGeom prst="straightConnector1">
-            <a:avLst/>
-          </a:prstGeom>
-          <a:ln>
-            <a:headEnd type="none" w="med" len="med"/>
-            <a:tailEnd type="triangle" w="med" len="med"/>
-          </a:ln>
-        </p:spPr>
-        <p:style>
-          <a:lnRef idx="1">
-            <a:schemeClr val="dk1"/>
-          </a:lnRef>
-          <a:fillRef idx="0">
-            <a:schemeClr val="dk1"/>
-          </a:fillRef>
-          <a:effectRef idx="0">
-            <a:schemeClr val="dk1"/>
-          </a:effectRef>
-          <a:fontRef idx="minor">
-            <a:schemeClr val="tx1"/>
-          </a:fontRef>
-        </p:style>
-      </p:cxnSp>
       <p:cxnSp>
         <p:nvCxnSpPr>
           <p:cNvPr id="76" name="Conector de seta reta 75"/>
@@ -3688,42 +3598,8 @@
         </p:nvCxnSpPr>
         <p:spPr>
           <a:xfrm flipV="1">
-            <a:off x="2988893" y="903244"/>
+            <a:off x="4158908" y="903244"/>
             <a:ext cx="330" cy="509532"/>
-          </a:xfrm>
-          <a:prstGeom prst="straightConnector1">
-            <a:avLst/>
-          </a:prstGeom>
-          <a:ln>
-            <a:headEnd type="none" w="med" len="med"/>
-            <a:tailEnd type="triangle" w="med" len="med"/>
-          </a:ln>
-        </p:spPr>
-        <p:style>
-          <a:lnRef idx="1">
-            <a:schemeClr val="dk1"/>
-          </a:lnRef>
-          <a:fillRef idx="0">
-            <a:schemeClr val="dk1"/>
-          </a:fillRef>
-          <a:effectRef idx="0">
-            <a:schemeClr val="dk1"/>
-          </a:effectRef>
-          <a:fontRef idx="minor">
-            <a:schemeClr val="tx1"/>
-          </a:fontRef>
-        </p:style>
-      </p:cxnSp>
-      <p:cxnSp>
-        <p:nvCxnSpPr>
-          <p:cNvPr id="77" name="Conector de seta reta 76"/>
-          <p:cNvCxnSpPr/>
-          <p:nvPr/>
-        </p:nvCxnSpPr>
-        <p:spPr>
-          <a:xfrm flipV="1">
-            <a:off x="5125253" y="908721"/>
-            <a:ext cx="0" cy="564376"/>
           </a:xfrm>
           <a:prstGeom prst="straightConnector1">
             <a:avLst/>
@@ -3756,7 +3632,7 @@
         </p:nvCxnSpPr>
         <p:spPr>
           <a:xfrm>
-            <a:off x="5580112" y="722090"/>
+            <a:off x="6610358" y="722090"/>
             <a:ext cx="648072" cy="0"/>
           </a:xfrm>
           <a:prstGeom prst="straightConnector1">
@@ -3790,7 +3666,7 @@
         </p:nvSpPr>
         <p:spPr>
           <a:xfrm>
-            <a:off x="6084168" y="404664"/>
+            <a:off x="7009714" y="404664"/>
             <a:ext cx="1922082" cy="646331"/>
           </a:xfrm>
           <a:prstGeom prst="rect">
@@ -3821,8 +3697,8 @@
         </p:nvSpPr>
         <p:spPr>
           <a:xfrm>
-            <a:off x="3203848" y="260648"/>
-            <a:ext cx="1922082" cy="369332"/>
+            <a:off x="4553447" y="123612"/>
+            <a:ext cx="1475237" cy="646331"/>
           </a:xfrm>
           <a:prstGeom prst="rect">
             <a:avLst/>
@@ -3852,8 +3728,8 @@
         </p:nvSpPr>
         <p:spPr>
           <a:xfrm>
-            <a:off x="1451999" y="111440"/>
-            <a:ext cx="1354701" cy="646331"/>
+            <a:off x="2488540" y="111440"/>
+            <a:ext cx="1435388" cy="646331"/>
           </a:xfrm>
           <a:prstGeom prst="rect">
             <a:avLst/>
@@ -3869,16 +3745,122 @@
             <a:pPr algn="ctr"/>
             <a:r>
               <a:rPr lang="en-US" dirty="0" err="1" smtClean="0"/>
-              <a:t>overspecific</a:t>
+              <a:t>overspecified</a:t>
             </a:r>
             <a:r>
               <a:rPr lang="en-US" dirty="0" smtClean="0"/>
-              <a:t> rule</a:t>
+              <a:t> </a:t>
+            </a:r>
+            <a:r>
+              <a:rPr lang="en-US" dirty="0" smtClean="0"/>
+              <a:t>rule</a:t>
             </a:r>
             <a:endParaRPr lang="pt-BR" dirty="0"/>
           </a:p>
         </p:txBody>
       </p:sp>
+      <p:cxnSp>
+        <p:nvCxnSpPr>
+          <p:cNvPr id="26" name="Conector de seta reta 25"/>
+          <p:cNvCxnSpPr/>
+          <p:nvPr/>
+        </p:nvCxnSpPr>
+        <p:spPr>
+          <a:xfrm>
+            <a:off x="1115616" y="715844"/>
+            <a:ext cx="648072" cy="0"/>
+          </a:xfrm>
+          <a:prstGeom prst="straightConnector1">
+            <a:avLst/>
+          </a:prstGeom>
+          <a:ln>
+            <a:headEnd type="none" w="med" len="med"/>
+            <a:tailEnd type="triangle" w="med" len="med"/>
+          </a:ln>
+        </p:spPr>
+        <p:style>
+          <a:lnRef idx="1">
+            <a:schemeClr val="dk1"/>
+          </a:lnRef>
+          <a:fillRef idx="0">
+            <a:schemeClr val="dk1"/>
+          </a:fillRef>
+          <a:effectRef idx="0">
+            <a:schemeClr val="dk1"/>
+          </a:effectRef>
+          <a:fontRef idx="minor">
+            <a:schemeClr val="tx1"/>
+          </a:fontRef>
+        </p:style>
+      </p:cxnSp>
+      <p:cxnSp>
+        <p:nvCxnSpPr>
+          <p:cNvPr id="27" name="Conector de seta reta 26"/>
+          <p:cNvCxnSpPr/>
+          <p:nvPr/>
+        </p:nvCxnSpPr>
+        <p:spPr>
+          <a:xfrm flipV="1">
+            <a:off x="6227854" y="903244"/>
+            <a:ext cx="330" cy="509532"/>
+          </a:xfrm>
+          <a:prstGeom prst="straightConnector1">
+            <a:avLst/>
+          </a:prstGeom>
+          <a:ln>
+            <a:headEnd type="none" w="med" len="med"/>
+            <a:tailEnd type="triangle" w="med" len="med"/>
+          </a:ln>
+        </p:spPr>
+        <p:style>
+          <a:lnRef idx="1">
+            <a:schemeClr val="dk1"/>
+          </a:lnRef>
+          <a:fillRef idx="0">
+            <a:schemeClr val="dk1"/>
+          </a:fillRef>
+          <a:effectRef idx="0">
+            <a:schemeClr val="dk1"/>
+          </a:effectRef>
+          <a:fontRef idx="minor">
+            <a:schemeClr val="tx1"/>
+          </a:fontRef>
+        </p:style>
+      </p:cxnSp>
+      <p:cxnSp>
+        <p:nvCxnSpPr>
+          <p:cNvPr id="34" name="Conector de seta reta 33"/>
+          <p:cNvCxnSpPr/>
+          <p:nvPr/>
+        </p:nvCxnSpPr>
+        <p:spPr>
+          <a:xfrm>
+            <a:off x="5020572" y="727596"/>
+            <a:ext cx="648072" cy="0"/>
+          </a:xfrm>
+          <a:prstGeom prst="straightConnector1">
+            <a:avLst/>
+          </a:prstGeom>
+          <a:ln>
+            <a:headEnd type="none" w="med" len="med"/>
+            <a:tailEnd type="triangle" w="med" len="med"/>
+          </a:ln>
+        </p:spPr>
+        <p:style>
+          <a:lnRef idx="1">
+            <a:schemeClr val="dk1"/>
+          </a:lnRef>
+          <a:fillRef idx="0">
+            <a:schemeClr val="dk1"/>
+          </a:fillRef>
+          <a:effectRef idx="0">
+            <a:schemeClr val="dk1"/>
+          </a:effectRef>
+          <a:fontRef idx="minor">
+            <a:schemeClr val="tx1"/>
+          </a:fontRef>
+        </p:style>
+      </p:cxnSp>
     </p:spTree>
     <p:extLst>
       <p:ext uri="{BB962C8B-B14F-4D97-AF65-F5344CB8AC3E}">

--- a/paper/figs/nids-workflow.pptx
+++ b/paper/figs/nids-workflow.pptx
@@ -288,7 +288,7 @@
           <a:p>
             <a:fld id="{3F9B73F4-B5EF-4BFE-8F68-05AE23C6DCB2}" type="datetimeFigureOut">
               <a:rPr lang="pt-BR" smtClean="0"/>
-              <a:t>24/02/2020</a:t>
+              <a:t>05/03/2020</a:t>
             </a:fld>
             <a:endParaRPr lang="pt-BR"/>
           </a:p>
@@ -458,7 +458,7 @@
           <a:p>
             <a:fld id="{3F9B73F4-B5EF-4BFE-8F68-05AE23C6DCB2}" type="datetimeFigureOut">
               <a:rPr lang="pt-BR" smtClean="0"/>
-              <a:t>24/02/2020</a:t>
+              <a:t>05/03/2020</a:t>
             </a:fld>
             <a:endParaRPr lang="pt-BR"/>
           </a:p>
@@ -638,7 +638,7 @@
           <a:p>
             <a:fld id="{3F9B73F4-B5EF-4BFE-8F68-05AE23C6DCB2}" type="datetimeFigureOut">
               <a:rPr lang="pt-BR" smtClean="0"/>
-              <a:t>24/02/2020</a:t>
+              <a:t>05/03/2020</a:t>
             </a:fld>
             <a:endParaRPr lang="pt-BR"/>
           </a:p>
@@ -808,7 +808,7 @@
           <a:p>
             <a:fld id="{3F9B73F4-B5EF-4BFE-8F68-05AE23C6DCB2}" type="datetimeFigureOut">
               <a:rPr lang="pt-BR" smtClean="0"/>
-              <a:t>24/02/2020</a:t>
+              <a:t>05/03/2020</a:t>
             </a:fld>
             <a:endParaRPr lang="pt-BR"/>
           </a:p>
@@ -1054,7 +1054,7 @@
           <a:p>
             <a:fld id="{3F9B73F4-B5EF-4BFE-8F68-05AE23C6DCB2}" type="datetimeFigureOut">
               <a:rPr lang="pt-BR" smtClean="0"/>
-              <a:t>24/02/2020</a:t>
+              <a:t>05/03/2020</a:t>
             </a:fld>
             <a:endParaRPr lang="pt-BR"/>
           </a:p>
@@ -1342,7 +1342,7 @@
           <a:p>
             <a:fld id="{3F9B73F4-B5EF-4BFE-8F68-05AE23C6DCB2}" type="datetimeFigureOut">
               <a:rPr lang="pt-BR" smtClean="0"/>
-              <a:t>24/02/2020</a:t>
+              <a:t>05/03/2020</a:t>
             </a:fld>
             <a:endParaRPr lang="pt-BR"/>
           </a:p>
@@ -1764,7 +1764,7 @@
           <a:p>
             <a:fld id="{3F9B73F4-B5EF-4BFE-8F68-05AE23C6DCB2}" type="datetimeFigureOut">
               <a:rPr lang="pt-BR" smtClean="0"/>
-              <a:t>24/02/2020</a:t>
+              <a:t>05/03/2020</a:t>
             </a:fld>
             <a:endParaRPr lang="pt-BR"/>
           </a:p>
@@ -1882,7 +1882,7 @@
           <a:p>
             <a:fld id="{3F9B73F4-B5EF-4BFE-8F68-05AE23C6DCB2}" type="datetimeFigureOut">
               <a:rPr lang="pt-BR" smtClean="0"/>
-              <a:t>24/02/2020</a:t>
+              <a:t>05/03/2020</a:t>
             </a:fld>
             <a:endParaRPr lang="pt-BR"/>
           </a:p>
@@ -1977,7 +1977,7 @@
           <a:p>
             <a:fld id="{3F9B73F4-B5EF-4BFE-8F68-05AE23C6DCB2}" type="datetimeFigureOut">
               <a:rPr lang="pt-BR" smtClean="0"/>
-              <a:t>24/02/2020</a:t>
+              <a:t>05/03/2020</a:t>
             </a:fld>
             <a:endParaRPr lang="pt-BR"/>
           </a:p>
@@ -2254,7 +2254,7 @@
           <a:p>
             <a:fld id="{3F9B73F4-B5EF-4BFE-8F68-05AE23C6DCB2}" type="datetimeFigureOut">
               <a:rPr lang="pt-BR" smtClean="0"/>
-              <a:t>24/02/2020</a:t>
+              <a:t>05/03/2020</a:t>
             </a:fld>
             <a:endParaRPr lang="pt-BR"/>
           </a:p>
@@ -2507,7 +2507,7 @@
           <a:p>
             <a:fld id="{3F9B73F4-B5EF-4BFE-8F68-05AE23C6DCB2}" type="datetimeFigureOut">
               <a:rPr lang="pt-BR" smtClean="0"/>
-              <a:t>24/02/2020</a:t>
+              <a:t>05/03/2020</a:t>
             </a:fld>
             <a:endParaRPr lang="pt-BR"/>
           </a:p>
@@ -2720,7 +2720,7 @@
           <a:p>
             <a:fld id="{3F9B73F4-B5EF-4BFE-8F68-05AE23C6DCB2}" type="datetimeFigureOut">
               <a:rPr lang="pt-BR" smtClean="0"/>
-              <a:t>24/02/2020</a:t>
+              <a:t>05/03/2020</a:t>
             </a:fld>
             <a:endParaRPr lang="pt-BR"/>
           </a:p>
@@ -3103,8 +3103,8 @@
         </p:nvSpPr>
         <p:spPr>
           <a:xfrm>
-            <a:off x="35496" y="404664"/>
-            <a:ext cx="1082349" cy="646331"/>
+            <a:off x="-132910" y="620688"/>
+            <a:ext cx="1536558" cy="646331"/>
           </a:xfrm>
           <a:prstGeom prst="rect">
             <a:avLst/>
@@ -3112,7 +3112,7 @@
           <a:noFill/>
         </p:spPr>
         <p:txBody>
-          <a:bodyPr wrap="none" rtlCol="0">
+          <a:bodyPr wrap="square" rtlCol="0">
             <a:spAutoFit/>
           </a:bodyPr>
           <a:lstStyle/>
@@ -3120,14 +3120,11 @@
             <a:pPr algn="ctr"/>
             <a:r>
               <a:rPr lang="en-US" dirty="0" smtClean="0"/>
-              <a:t>Malicious</a:t>
-            </a:r>
-          </a:p>
-          <a:p>
-            <a:pPr algn="ctr"/>
+              <a:t>Att</a:t>
+            </a:r>
             <a:r>
               <a:rPr lang="en-US" dirty="0" smtClean="0"/>
-              <a:t>Traffic</a:t>
+              <a:t>ack examples</a:t>
             </a:r>
             <a:endParaRPr lang="pt-BR" dirty="0"/>
           </a:p>
@@ -3141,7 +3138,7 @@
         </p:nvGrpSpPr>
         <p:grpSpPr>
           <a:xfrm>
-            <a:off x="3759210" y="1486525"/>
+            <a:off x="3725813" y="1702549"/>
             <a:ext cx="830677" cy="934363"/>
             <a:chOff x="8160947" y="548680"/>
             <a:chExt cx="830677" cy="934363"/>
@@ -3231,7 +3228,7 @@
         </p:nvSpPr>
         <p:spPr>
           <a:xfrm>
-            <a:off x="2001066" y="37644"/>
+            <a:off x="2001066" y="253668"/>
             <a:ext cx="596638" cy="646331"/>
           </a:xfrm>
           <a:prstGeom prst="rect">
@@ -3263,7 +3260,7 @@
         </p:nvSpPr>
         <p:spPr>
           <a:xfrm>
-            <a:off x="1677850" y="465639"/>
+            <a:off x="1677850" y="681663"/>
             <a:ext cx="1309974" cy="646331"/>
           </a:xfrm>
           <a:prstGeom prst="rect">
@@ -3301,7 +3298,7 @@
         </p:nvCxnSpPr>
         <p:spPr>
           <a:xfrm>
-            <a:off x="2938742" y="764704"/>
+            <a:off x="2938742" y="980728"/>
             <a:ext cx="485902" cy="0"/>
           </a:xfrm>
           <a:prstGeom prst="straightConnector1">
@@ -3335,8 +3332,8 @@
         </p:nvSpPr>
         <p:spPr>
           <a:xfrm>
-            <a:off x="3487633" y="555556"/>
-            <a:ext cx="1449179" cy="369332"/>
+            <a:off x="3637428" y="704419"/>
+            <a:ext cx="995914" cy="646331"/>
           </a:xfrm>
           <a:prstGeom prst="rect">
             <a:avLst/>
@@ -3349,9 +3346,17 @@
           </a:bodyPr>
           <a:lstStyle/>
           <a:p>
+            <a:pPr algn="ctr"/>
             <a:r>
               <a:rPr lang="en-US" b="1" dirty="0" smtClean="0"/>
-              <a:t>Minimization</a:t>
+              <a:t>Rules</a:t>
+            </a:r>
+          </a:p>
+          <a:p>
+            <a:pPr algn="ctr"/>
+            <a:r>
+              <a:rPr lang="en-US" b="1" dirty="0" smtClean="0"/>
+              <a:t>Creation</a:t>
             </a:r>
             <a:endParaRPr lang="pt-BR" b="1" dirty="0"/>
           </a:p>
@@ -3365,7 +3370,7 @@
         </p:nvGrpSpPr>
         <p:grpSpPr>
           <a:xfrm>
-            <a:off x="5793928" y="1505724"/>
+            <a:off x="5380433" y="1721748"/>
             <a:ext cx="949940" cy="871647"/>
             <a:chOff x="8150266" y="548680"/>
             <a:chExt cx="949940" cy="871647"/>
@@ -3456,7 +3461,7 @@
         </p:nvSpPr>
         <p:spPr>
           <a:xfrm>
-            <a:off x="5709331" y="548680"/>
+            <a:off x="5295836" y="764704"/>
             <a:ext cx="950901" cy="369332"/>
           </a:xfrm>
           <a:prstGeom prst="rect">
@@ -3486,7 +3491,7 @@
         </p:nvSpPr>
         <p:spPr>
           <a:xfrm>
-            <a:off x="3860919" y="46365"/>
+            <a:off x="3842233" y="301736"/>
             <a:ext cx="596638" cy="646331"/>
           </a:xfrm>
           <a:prstGeom prst="rect">
@@ -3519,7 +3524,7 @@
         </p:nvSpPr>
         <p:spPr>
           <a:xfrm>
-            <a:off x="5890278" y="44624"/>
+            <a:off x="5476783" y="260648"/>
             <a:ext cx="596638" cy="646331"/>
           </a:xfrm>
           <a:prstGeom prst="rect">
@@ -3552,8 +3557,8 @@
         </p:nvSpPr>
         <p:spPr>
           <a:xfrm>
-            <a:off x="1425782" y="46365"/>
-            <a:ext cx="5616624" cy="1218005"/>
+            <a:off x="1425782" y="262389"/>
+            <a:ext cx="5213143" cy="1218005"/>
           </a:xfrm>
           <a:prstGeom prst="rect">
             <a:avLst/>
@@ -3592,14 +3597,14 @@
       </p:sp>
       <p:cxnSp>
         <p:nvCxnSpPr>
-          <p:cNvPr id="76" name="Conector de seta reta 75"/>
+          <p:cNvPr id="78" name="Conector de seta reta 77"/>
           <p:cNvCxnSpPr/>
           <p:nvPr/>
         </p:nvCxnSpPr>
         <p:spPr>
-          <a:xfrm flipV="1">
-            <a:off x="4158908" y="903244"/>
-            <a:ext cx="330" cy="509532"/>
+          <a:xfrm>
+            <a:off x="6196863" y="938114"/>
+            <a:ext cx="648072" cy="0"/>
           </a:xfrm>
           <a:prstGeom prst="straightConnector1">
             <a:avLst/>
@@ -3624,40 +3629,6 @@
           </a:fontRef>
         </p:style>
       </p:cxnSp>
-      <p:cxnSp>
-        <p:nvCxnSpPr>
-          <p:cNvPr id="78" name="Conector de seta reta 77"/>
-          <p:cNvCxnSpPr/>
-          <p:nvPr/>
-        </p:nvCxnSpPr>
-        <p:spPr>
-          <a:xfrm>
-            <a:off x="6610358" y="722090"/>
-            <a:ext cx="648072" cy="0"/>
-          </a:xfrm>
-          <a:prstGeom prst="straightConnector1">
-            <a:avLst/>
-          </a:prstGeom>
-          <a:ln>
-            <a:headEnd type="none" w="med" len="med"/>
-            <a:tailEnd type="triangle" w="med" len="med"/>
-          </a:ln>
-        </p:spPr>
-        <p:style>
-          <a:lnRef idx="1">
-            <a:schemeClr val="dk1"/>
-          </a:lnRef>
-          <a:fillRef idx="0">
-            <a:schemeClr val="dk1"/>
-          </a:fillRef>
-          <a:effectRef idx="0">
-            <a:schemeClr val="dk1"/>
-          </a:effectRef>
-          <a:fontRef idx="minor">
-            <a:schemeClr val="tx1"/>
-          </a:fontRef>
-        </p:style>
-      </p:cxnSp>
       <p:sp>
         <p:nvSpPr>
           <p:cNvPr id="79" name="CaixaDeTexto 78"/>
@@ -3666,7 +3637,7 @@
         </p:nvSpPr>
         <p:spPr>
           <a:xfrm>
-            <a:off x="7009714" y="404664"/>
+            <a:off x="6660232" y="620688"/>
             <a:ext cx="1922082" cy="646331"/>
           </a:xfrm>
           <a:prstGeom prst="rect">
@@ -3697,7 +3668,7 @@
         </p:nvSpPr>
         <p:spPr>
           <a:xfrm>
-            <a:off x="4553447" y="123612"/>
+            <a:off x="4139952" y="339636"/>
             <a:ext cx="1475237" cy="646331"/>
           </a:xfrm>
           <a:prstGeom prst="rect">
@@ -3728,7 +3699,7 @@
         </p:nvSpPr>
         <p:spPr>
           <a:xfrm>
-            <a:off x="2488540" y="111440"/>
+            <a:off x="2488540" y="327464"/>
             <a:ext cx="1435388" cy="646331"/>
           </a:xfrm>
           <a:prstGeom prst="rect">
@@ -3749,11 +3720,7 @@
             </a:r>
             <a:r>
               <a:rPr lang="en-US" dirty="0" smtClean="0"/>
-              <a:t> </a:t>
-            </a:r>
-            <a:r>
-              <a:rPr lang="en-US" dirty="0" smtClean="0"/>
-              <a:t>rule</a:t>
+              <a:t> rule</a:t>
             </a:r>
             <a:endParaRPr lang="pt-BR" dirty="0"/>
           </a:p>
@@ -3767,7 +3734,7 @@
         </p:nvCxnSpPr>
         <p:spPr>
           <a:xfrm>
-            <a:off x="1115616" y="715844"/>
+            <a:off x="1115616" y="941393"/>
             <a:ext cx="648072" cy="0"/>
           </a:xfrm>
           <a:prstGeom prst="straightConnector1">
@@ -3801,7 +3768,7 @@
         </p:nvCxnSpPr>
         <p:spPr>
           <a:xfrm flipV="1">
-            <a:off x="6227854" y="903244"/>
+            <a:off x="5814359" y="1119268"/>
             <a:ext cx="330" cy="509532"/>
           </a:xfrm>
           <a:prstGeom prst="straightConnector1">
@@ -3835,7 +3802,7 @@
         </p:nvCxnSpPr>
         <p:spPr>
           <a:xfrm>
-            <a:off x="5020572" y="727596"/>
+            <a:off x="4607077" y="943620"/>
             <a:ext cx="648072" cy="0"/>
           </a:xfrm>
           <a:prstGeom prst="straightConnector1">
@@ -3861,6 +3828,123 @@
           </a:fontRef>
         </p:style>
       </p:cxnSp>
+      <p:cxnSp>
+        <p:nvCxnSpPr>
+          <p:cNvPr id="28" name="Conector de seta reta 27"/>
+          <p:cNvCxnSpPr/>
+          <p:nvPr/>
+        </p:nvCxnSpPr>
+        <p:spPr>
+          <a:xfrm flipV="1">
+            <a:off x="4129286" y="1271668"/>
+            <a:ext cx="330" cy="365760"/>
+          </a:xfrm>
+          <a:prstGeom prst="straightConnector1">
+            <a:avLst/>
+          </a:prstGeom>
+          <a:ln>
+            <a:headEnd type="none" w="med" len="med"/>
+            <a:tailEnd type="triangle" w="med" len="med"/>
+          </a:ln>
+        </p:spPr>
+        <p:style>
+          <a:lnRef idx="1">
+            <a:schemeClr val="dk1"/>
+          </a:lnRef>
+          <a:fillRef idx="0">
+            <a:schemeClr val="dk1"/>
+          </a:fillRef>
+          <a:effectRef idx="0">
+            <a:schemeClr val="dk1"/>
+          </a:effectRef>
+          <a:fontRef idx="minor">
+            <a:schemeClr val="tx1"/>
+          </a:fontRef>
+        </p:style>
+      </p:cxnSp>
+      <p:cxnSp>
+        <p:nvCxnSpPr>
+          <p:cNvPr id="10" name="Conector angulado 9"/>
+          <p:cNvCxnSpPr>
+            <a:endCxn id="17" idx="0"/>
+          </p:cNvCxnSpPr>
+          <p:nvPr/>
+        </p:nvCxnSpPr>
+        <p:spPr>
+          <a:xfrm flipV="1">
+            <a:off x="1331640" y="446777"/>
+            <a:ext cx="2806871" cy="491337"/>
+          </a:xfrm>
+          <a:prstGeom prst="bentConnector4">
+            <a:avLst>
+              <a:gd name="adj1" fmla="val -174"/>
+              <a:gd name="adj2" fmla="val 160096"/>
+            </a:avLst>
+          </a:prstGeom>
+          <a:ln>
+            <a:headEnd type="none" w="med" len="med"/>
+            <a:tailEnd type="triangle" w="med" len="med"/>
+          </a:ln>
+        </p:spPr>
+        <p:style>
+          <a:lnRef idx="1">
+            <a:schemeClr val="dk1"/>
+          </a:lnRef>
+          <a:fillRef idx="0">
+            <a:schemeClr val="dk1"/>
+          </a:fillRef>
+          <a:effectRef idx="0">
+            <a:schemeClr val="dk1"/>
+          </a:effectRef>
+          <a:fontRef idx="minor">
+            <a:schemeClr val="tx1"/>
+          </a:fontRef>
+        </p:style>
+      </p:cxnSp>
+      <p:sp>
+        <p:nvSpPr>
+          <p:cNvPr id="17" name="Elipse 16"/>
+          <p:cNvSpPr/>
+          <p:nvPr/>
+        </p:nvSpPr>
+        <p:spPr>
+          <a:xfrm>
+            <a:off x="4084111" y="446777"/>
+            <a:ext cx="108799" cy="101903"/>
+          </a:xfrm>
+          <a:prstGeom prst="ellipse">
+            <a:avLst/>
+          </a:prstGeom>
+          <a:noFill/>
+          <a:ln>
+            <a:noFill/>
+          </a:ln>
+        </p:spPr>
+        <p:style>
+          <a:lnRef idx="2">
+            <a:schemeClr val="accent1">
+              <a:shade val="50000"/>
+            </a:schemeClr>
+          </a:lnRef>
+          <a:fillRef idx="1">
+            <a:schemeClr val="accent1"/>
+          </a:fillRef>
+          <a:effectRef idx="0">
+            <a:schemeClr val="accent1"/>
+          </a:effectRef>
+          <a:fontRef idx="minor">
+            <a:schemeClr val="lt1"/>
+          </a:fontRef>
+        </p:style>
+        <p:txBody>
+          <a:bodyPr rtlCol="0" anchor="ctr"/>
+          <a:lstStyle/>
+          <a:p>
+            <a:pPr algn="ctr"/>
+            <a:endParaRPr lang="en-US"/>
+          </a:p>
+        </p:txBody>
+      </p:sp>
     </p:spTree>
     <p:extLst>
       <p:ext uri="{BB962C8B-B14F-4D97-AF65-F5344CB8AC3E}">

--- a/paper/figs/nids-workflow.pptx
+++ b/paper/figs/nids-workflow.pptx
@@ -104,7 +104,31 @@
       </a:defRPr>
     </a:lvl9pPr>
   </p:defaultTextStyle>
+  <p:extLst>
+    <p:ext uri="{EFAFB233-063F-42B5-8137-9DF3F51BA10A}">
+      <p15:sldGuideLst xmlns:p15="http://schemas.microsoft.com/office/powerpoint/2012/main">
+        <p15:guide id="1" orient="horz" pos="2160">
+          <p15:clr>
+            <a:srgbClr val="A4A3A4"/>
+          </p15:clr>
+        </p15:guide>
+        <p15:guide id="2" pos="2880">
+          <p15:clr>
+            <a:srgbClr val="A4A3A4"/>
+          </p15:clr>
+        </p15:guide>
+      </p15:sldGuideLst>
+    </p:ext>
+  </p:extLst>
 </p:presentation>
+</file>
+
+<file path=ppt/revisionInfo.xml><?xml version="1.0" encoding="utf-8"?>
+<p1510:revInfo xmlns:a="http://schemas.openxmlformats.org/drawingml/2006/main" xmlns:r="http://schemas.openxmlformats.org/officeDocument/2006/relationships" xmlns:p1510="http://schemas.microsoft.com/office/powerpoint/2015/10/main">
+  <p1510:revLst>
+    <p1510:client id="{A7B51B4F-49D9-4BE5-9705-8CFCDDF19DE0}" v="6" dt="2020-10-31T20:43:17.371"/>
+  </p1510:revLst>
+</p1510:revInfo>
 </file>
 
 <file path=ppt/slideLayouts/slideLayout1.xml><?xml version="1.0" encoding="utf-8"?>
@@ -145,10 +169,9 @@
           <a:lstStyle/>
           <a:p>
             <a:r>
-              <a:rPr lang="pt-BR" smtClean="0"/>
+              <a:rPr lang="pt-BR"/>
               <a:t>Clique para editar o título mestre</a:t>
             </a:r>
-            <a:endParaRPr lang="pt-BR"/>
           </a:p>
         </p:txBody>
       </p:sp>
@@ -264,10 +287,9 @@
           </a:lstStyle>
           <a:p>
             <a:r>
-              <a:rPr lang="pt-BR" smtClean="0"/>
+              <a:rPr lang="pt-BR"/>
               <a:t>Clique para editar o estilo do subtítulo mestre</a:t>
             </a:r>
-            <a:endParaRPr lang="pt-BR"/>
           </a:p>
         </p:txBody>
       </p:sp>
@@ -288,7 +310,7 @@
           <a:p>
             <a:fld id="{3F9B73F4-B5EF-4BFE-8F68-05AE23C6DCB2}" type="datetimeFigureOut">
               <a:rPr lang="pt-BR" smtClean="0"/>
-              <a:t>05/03/2020</a:t>
+              <a:t>31/10/2020</a:t>
             </a:fld>
             <a:endParaRPr lang="pt-BR"/>
           </a:p>
@@ -330,7 +352,7 @@
           <a:p>
             <a:fld id="{ECD83A6D-9EFB-4C81-8AE5-C919D0F7D16C}" type="slidenum">
               <a:rPr lang="pt-BR" smtClean="0"/>
-              <a:t>‹nº›</a:t>
+              <a:t>‹#›</a:t>
             </a:fld>
             <a:endParaRPr lang="pt-BR"/>
           </a:p>
@@ -382,10 +404,9 @@
           <a:lstStyle/>
           <a:p>
             <a:r>
-              <a:rPr lang="pt-BR" smtClean="0"/>
+              <a:rPr lang="pt-BR"/>
               <a:t>Clique para editar o título mestre</a:t>
             </a:r>
-            <a:endParaRPr lang="pt-BR"/>
           </a:p>
         </p:txBody>
       </p:sp>
@@ -406,38 +427,37 @@
           <a:p>
             <a:pPr lvl="0"/>
             <a:r>
-              <a:rPr lang="pt-BR" smtClean="0"/>
+              <a:rPr lang="pt-BR"/>
               <a:t>Clique para editar o texto mestre</a:t>
             </a:r>
           </a:p>
           <a:p>
             <a:pPr lvl="1"/>
             <a:r>
-              <a:rPr lang="pt-BR" smtClean="0"/>
+              <a:rPr lang="pt-BR"/>
               <a:t>Segundo nível</a:t>
             </a:r>
           </a:p>
           <a:p>
             <a:pPr lvl="2"/>
             <a:r>
-              <a:rPr lang="pt-BR" smtClean="0"/>
+              <a:rPr lang="pt-BR"/>
               <a:t>Terceiro nível</a:t>
             </a:r>
           </a:p>
           <a:p>
             <a:pPr lvl="3"/>
             <a:r>
-              <a:rPr lang="pt-BR" smtClean="0"/>
+              <a:rPr lang="pt-BR"/>
               <a:t>Quarto nível</a:t>
             </a:r>
           </a:p>
           <a:p>
             <a:pPr lvl="4"/>
             <a:r>
-              <a:rPr lang="pt-BR" smtClean="0"/>
+              <a:rPr lang="pt-BR"/>
               <a:t>Quinto nível</a:t>
             </a:r>
-            <a:endParaRPr lang="pt-BR"/>
           </a:p>
         </p:txBody>
       </p:sp>
@@ -458,7 +478,7 @@
           <a:p>
             <a:fld id="{3F9B73F4-B5EF-4BFE-8F68-05AE23C6DCB2}" type="datetimeFigureOut">
               <a:rPr lang="pt-BR" smtClean="0"/>
-              <a:t>05/03/2020</a:t>
+              <a:t>31/10/2020</a:t>
             </a:fld>
             <a:endParaRPr lang="pt-BR"/>
           </a:p>
@@ -500,7 +520,7 @@
           <a:p>
             <a:fld id="{ECD83A6D-9EFB-4C81-8AE5-C919D0F7D16C}" type="slidenum">
               <a:rPr lang="pt-BR" smtClean="0"/>
-              <a:t>‹nº›</a:t>
+              <a:t>‹#›</a:t>
             </a:fld>
             <a:endParaRPr lang="pt-BR"/>
           </a:p>
@@ -557,10 +577,9 @@
           <a:lstStyle/>
           <a:p>
             <a:r>
-              <a:rPr lang="pt-BR" smtClean="0"/>
+              <a:rPr lang="pt-BR"/>
               <a:t>Clique para editar o título mestre</a:t>
             </a:r>
-            <a:endParaRPr lang="pt-BR"/>
           </a:p>
         </p:txBody>
       </p:sp>
@@ -586,38 +605,37 @@
           <a:p>
             <a:pPr lvl="0"/>
             <a:r>
-              <a:rPr lang="pt-BR" smtClean="0"/>
+              <a:rPr lang="pt-BR"/>
               <a:t>Clique para editar o texto mestre</a:t>
             </a:r>
           </a:p>
           <a:p>
             <a:pPr lvl="1"/>
             <a:r>
-              <a:rPr lang="pt-BR" smtClean="0"/>
+              <a:rPr lang="pt-BR"/>
               <a:t>Segundo nível</a:t>
             </a:r>
           </a:p>
           <a:p>
             <a:pPr lvl="2"/>
             <a:r>
-              <a:rPr lang="pt-BR" smtClean="0"/>
+              <a:rPr lang="pt-BR"/>
               <a:t>Terceiro nível</a:t>
             </a:r>
           </a:p>
           <a:p>
             <a:pPr lvl="3"/>
             <a:r>
-              <a:rPr lang="pt-BR" smtClean="0"/>
+              <a:rPr lang="pt-BR"/>
               <a:t>Quarto nível</a:t>
             </a:r>
           </a:p>
           <a:p>
             <a:pPr lvl="4"/>
             <a:r>
-              <a:rPr lang="pt-BR" smtClean="0"/>
+              <a:rPr lang="pt-BR"/>
               <a:t>Quinto nível</a:t>
             </a:r>
-            <a:endParaRPr lang="pt-BR"/>
           </a:p>
         </p:txBody>
       </p:sp>
@@ -638,7 +656,7 @@
           <a:p>
             <a:fld id="{3F9B73F4-B5EF-4BFE-8F68-05AE23C6DCB2}" type="datetimeFigureOut">
               <a:rPr lang="pt-BR" smtClean="0"/>
-              <a:t>05/03/2020</a:t>
+              <a:t>31/10/2020</a:t>
             </a:fld>
             <a:endParaRPr lang="pt-BR"/>
           </a:p>
@@ -680,7 +698,7 @@
           <a:p>
             <a:fld id="{ECD83A6D-9EFB-4C81-8AE5-C919D0F7D16C}" type="slidenum">
               <a:rPr lang="pt-BR" smtClean="0"/>
-              <a:t>‹nº›</a:t>
+              <a:t>‹#›</a:t>
             </a:fld>
             <a:endParaRPr lang="pt-BR"/>
           </a:p>
@@ -732,10 +750,9 @@
           <a:lstStyle/>
           <a:p>
             <a:r>
-              <a:rPr lang="pt-BR" smtClean="0"/>
+              <a:rPr lang="pt-BR"/>
               <a:t>Clique para editar o título mestre</a:t>
             </a:r>
-            <a:endParaRPr lang="pt-BR"/>
           </a:p>
         </p:txBody>
       </p:sp>
@@ -756,38 +773,37 @@
           <a:p>
             <a:pPr lvl="0"/>
             <a:r>
-              <a:rPr lang="pt-BR" smtClean="0"/>
+              <a:rPr lang="pt-BR"/>
               <a:t>Clique para editar o texto mestre</a:t>
             </a:r>
           </a:p>
           <a:p>
             <a:pPr lvl="1"/>
             <a:r>
-              <a:rPr lang="pt-BR" smtClean="0"/>
+              <a:rPr lang="pt-BR"/>
               <a:t>Segundo nível</a:t>
             </a:r>
           </a:p>
           <a:p>
             <a:pPr lvl="2"/>
             <a:r>
-              <a:rPr lang="pt-BR" smtClean="0"/>
+              <a:rPr lang="pt-BR"/>
               <a:t>Terceiro nível</a:t>
             </a:r>
           </a:p>
           <a:p>
             <a:pPr lvl="3"/>
             <a:r>
-              <a:rPr lang="pt-BR" smtClean="0"/>
+              <a:rPr lang="pt-BR"/>
               <a:t>Quarto nível</a:t>
             </a:r>
           </a:p>
           <a:p>
             <a:pPr lvl="4"/>
             <a:r>
-              <a:rPr lang="pt-BR" smtClean="0"/>
+              <a:rPr lang="pt-BR"/>
               <a:t>Quinto nível</a:t>
             </a:r>
-            <a:endParaRPr lang="pt-BR"/>
           </a:p>
         </p:txBody>
       </p:sp>
@@ -808,7 +824,7 @@
           <a:p>
             <a:fld id="{3F9B73F4-B5EF-4BFE-8F68-05AE23C6DCB2}" type="datetimeFigureOut">
               <a:rPr lang="pt-BR" smtClean="0"/>
-              <a:t>05/03/2020</a:t>
+              <a:t>31/10/2020</a:t>
             </a:fld>
             <a:endParaRPr lang="pt-BR"/>
           </a:p>
@@ -850,7 +866,7 @@
           <a:p>
             <a:fld id="{ECD83A6D-9EFB-4C81-8AE5-C919D0F7D16C}" type="slidenum">
               <a:rPr lang="pt-BR" smtClean="0"/>
-              <a:t>‹nº›</a:t>
+              <a:t>‹#›</a:t>
             </a:fld>
             <a:endParaRPr lang="pt-BR"/>
           </a:p>
@@ -911,10 +927,9 @@
           </a:lstStyle>
           <a:p>
             <a:r>
-              <a:rPr lang="pt-BR" smtClean="0"/>
+              <a:rPr lang="pt-BR"/>
               <a:t>Clique para editar o título mestre</a:t>
             </a:r>
-            <a:endParaRPr lang="pt-BR"/>
           </a:p>
         </p:txBody>
       </p:sp>
@@ -1031,7 +1046,7 @@
           <a:p>
             <a:pPr lvl="0"/>
             <a:r>
-              <a:rPr lang="pt-BR" smtClean="0"/>
+              <a:rPr lang="pt-BR"/>
               <a:t>Clique para editar o texto mestre</a:t>
             </a:r>
           </a:p>
@@ -1054,7 +1069,7 @@
           <a:p>
             <a:fld id="{3F9B73F4-B5EF-4BFE-8F68-05AE23C6DCB2}" type="datetimeFigureOut">
               <a:rPr lang="pt-BR" smtClean="0"/>
-              <a:t>05/03/2020</a:t>
+              <a:t>31/10/2020</a:t>
             </a:fld>
             <a:endParaRPr lang="pt-BR"/>
           </a:p>
@@ -1096,7 +1111,7 @@
           <a:p>
             <a:fld id="{ECD83A6D-9EFB-4C81-8AE5-C919D0F7D16C}" type="slidenum">
               <a:rPr lang="pt-BR" smtClean="0"/>
-              <a:t>‹nº›</a:t>
+              <a:t>‹#›</a:t>
             </a:fld>
             <a:endParaRPr lang="pt-BR"/>
           </a:p>
@@ -1148,10 +1163,9 @@
           <a:lstStyle/>
           <a:p>
             <a:r>
-              <a:rPr lang="pt-BR" smtClean="0"/>
+              <a:rPr lang="pt-BR"/>
               <a:t>Clique para editar o título mestre</a:t>
             </a:r>
-            <a:endParaRPr lang="pt-BR"/>
           </a:p>
         </p:txBody>
       </p:sp>
@@ -1205,38 +1219,37 @@
           <a:p>
             <a:pPr lvl="0"/>
             <a:r>
-              <a:rPr lang="pt-BR" smtClean="0"/>
+              <a:rPr lang="pt-BR"/>
               <a:t>Clique para editar o texto mestre</a:t>
             </a:r>
           </a:p>
           <a:p>
             <a:pPr lvl="1"/>
             <a:r>
-              <a:rPr lang="pt-BR" smtClean="0"/>
+              <a:rPr lang="pt-BR"/>
               <a:t>Segundo nível</a:t>
             </a:r>
           </a:p>
           <a:p>
             <a:pPr lvl="2"/>
             <a:r>
-              <a:rPr lang="pt-BR" smtClean="0"/>
+              <a:rPr lang="pt-BR"/>
               <a:t>Terceiro nível</a:t>
             </a:r>
           </a:p>
           <a:p>
             <a:pPr lvl="3"/>
             <a:r>
-              <a:rPr lang="pt-BR" smtClean="0"/>
+              <a:rPr lang="pt-BR"/>
               <a:t>Quarto nível</a:t>
             </a:r>
           </a:p>
           <a:p>
             <a:pPr lvl="4"/>
             <a:r>
-              <a:rPr lang="pt-BR" smtClean="0"/>
+              <a:rPr lang="pt-BR"/>
               <a:t>Quinto nível</a:t>
             </a:r>
-            <a:endParaRPr lang="pt-BR"/>
           </a:p>
         </p:txBody>
       </p:sp>
@@ -1290,38 +1303,37 @@
           <a:p>
             <a:pPr lvl="0"/>
             <a:r>
-              <a:rPr lang="pt-BR" smtClean="0"/>
+              <a:rPr lang="pt-BR"/>
               <a:t>Clique para editar o texto mestre</a:t>
             </a:r>
           </a:p>
           <a:p>
             <a:pPr lvl="1"/>
             <a:r>
-              <a:rPr lang="pt-BR" smtClean="0"/>
+              <a:rPr lang="pt-BR"/>
               <a:t>Segundo nível</a:t>
             </a:r>
           </a:p>
           <a:p>
             <a:pPr lvl="2"/>
             <a:r>
-              <a:rPr lang="pt-BR" smtClean="0"/>
+              <a:rPr lang="pt-BR"/>
               <a:t>Terceiro nível</a:t>
             </a:r>
           </a:p>
           <a:p>
             <a:pPr lvl="3"/>
             <a:r>
-              <a:rPr lang="pt-BR" smtClean="0"/>
+              <a:rPr lang="pt-BR"/>
               <a:t>Quarto nível</a:t>
             </a:r>
           </a:p>
           <a:p>
             <a:pPr lvl="4"/>
             <a:r>
-              <a:rPr lang="pt-BR" smtClean="0"/>
+              <a:rPr lang="pt-BR"/>
               <a:t>Quinto nível</a:t>
             </a:r>
-            <a:endParaRPr lang="pt-BR"/>
           </a:p>
         </p:txBody>
       </p:sp>
@@ -1342,7 +1354,7 @@
           <a:p>
             <a:fld id="{3F9B73F4-B5EF-4BFE-8F68-05AE23C6DCB2}" type="datetimeFigureOut">
               <a:rPr lang="pt-BR" smtClean="0"/>
-              <a:t>05/03/2020</a:t>
+              <a:t>31/10/2020</a:t>
             </a:fld>
             <a:endParaRPr lang="pt-BR"/>
           </a:p>
@@ -1384,7 +1396,7 @@
           <a:p>
             <a:fld id="{ECD83A6D-9EFB-4C81-8AE5-C919D0F7D16C}" type="slidenum">
               <a:rPr lang="pt-BR" smtClean="0"/>
-              <a:t>‹nº›</a:t>
+              <a:t>‹#›</a:t>
             </a:fld>
             <a:endParaRPr lang="pt-BR"/>
           </a:p>
@@ -1440,10 +1452,9 @@
           </a:lstStyle>
           <a:p>
             <a:r>
-              <a:rPr lang="pt-BR" smtClean="0"/>
+              <a:rPr lang="pt-BR"/>
               <a:t>Clique para editar o título mestre</a:t>
             </a:r>
-            <a:endParaRPr lang="pt-BR"/>
           </a:p>
         </p:txBody>
       </p:sp>
@@ -1506,7 +1517,7 @@
           <a:p>
             <a:pPr lvl="0"/>
             <a:r>
-              <a:rPr lang="pt-BR" smtClean="0"/>
+              <a:rPr lang="pt-BR"/>
               <a:t>Clique para editar o texto mestre</a:t>
             </a:r>
           </a:p>
@@ -1562,38 +1573,37 @@
           <a:p>
             <a:pPr lvl="0"/>
             <a:r>
-              <a:rPr lang="pt-BR" smtClean="0"/>
+              <a:rPr lang="pt-BR"/>
               <a:t>Clique para editar o texto mestre</a:t>
             </a:r>
           </a:p>
           <a:p>
             <a:pPr lvl="1"/>
             <a:r>
-              <a:rPr lang="pt-BR" smtClean="0"/>
+              <a:rPr lang="pt-BR"/>
               <a:t>Segundo nível</a:t>
             </a:r>
           </a:p>
           <a:p>
             <a:pPr lvl="2"/>
             <a:r>
-              <a:rPr lang="pt-BR" smtClean="0"/>
+              <a:rPr lang="pt-BR"/>
               <a:t>Terceiro nível</a:t>
             </a:r>
           </a:p>
           <a:p>
             <a:pPr lvl="3"/>
             <a:r>
-              <a:rPr lang="pt-BR" smtClean="0"/>
+              <a:rPr lang="pt-BR"/>
               <a:t>Quarto nível</a:t>
             </a:r>
           </a:p>
           <a:p>
             <a:pPr lvl="4"/>
             <a:r>
-              <a:rPr lang="pt-BR" smtClean="0"/>
+              <a:rPr lang="pt-BR"/>
               <a:t>Quinto nível</a:t>
             </a:r>
-            <a:endParaRPr lang="pt-BR"/>
           </a:p>
         </p:txBody>
       </p:sp>
@@ -1656,7 +1666,7 @@
           <a:p>
             <a:pPr lvl="0"/>
             <a:r>
-              <a:rPr lang="pt-BR" smtClean="0"/>
+              <a:rPr lang="pt-BR"/>
               <a:t>Clique para editar o texto mestre</a:t>
             </a:r>
           </a:p>
@@ -1712,38 +1722,37 @@
           <a:p>
             <a:pPr lvl="0"/>
             <a:r>
-              <a:rPr lang="pt-BR" smtClean="0"/>
+              <a:rPr lang="pt-BR"/>
               <a:t>Clique para editar o texto mestre</a:t>
             </a:r>
           </a:p>
           <a:p>
             <a:pPr lvl="1"/>
             <a:r>
-              <a:rPr lang="pt-BR" smtClean="0"/>
+              <a:rPr lang="pt-BR"/>
               <a:t>Segundo nível</a:t>
             </a:r>
           </a:p>
           <a:p>
             <a:pPr lvl="2"/>
             <a:r>
-              <a:rPr lang="pt-BR" smtClean="0"/>
+              <a:rPr lang="pt-BR"/>
               <a:t>Terceiro nível</a:t>
             </a:r>
           </a:p>
           <a:p>
             <a:pPr lvl="3"/>
             <a:r>
-              <a:rPr lang="pt-BR" smtClean="0"/>
+              <a:rPr lang="pt-BR"/>
               <a:t>Quarto nível</a:t>
             </a:r>
           </a:p>
           <a:p>
             <a:pPr lvl="4"/>
             <a:r>
-              <a:rPr lang="pt-BR" smtClean="0"/>
+              <a:rPr lang="pt-BR"/>
               <a:t>Quinto nível</a:t>
             </a:r>
-            <a:endParaRPr lang="pt-BR"/>
           </a:p>
         </p:txBody>
       </p:sp>
@@ -1764,7 +1773,7 @@
           <a:p>
             <a:fld id="{3F9B73F4-B5EF-4BFE-8F68-05AE23C6DCB2}" type="datetimeFigureOut">
               <a:rPr lang="pt-BR" smtClean="0"/>
-              <a:t>05/03/2020</a:t>
+              <a:t>31/10/2020</a:t>
             </a:fld>
             <a:endParaRPr lang="pt-BR"/>
           </a:p>
@@ -1806,7 +1815,7 @@
           <a:p>
             <a:fld id="{ECD83A6D-9EFB-4C81-8AE5-C919D0F7D16C}" type="slidenum">
               <a:rPr lang="pt-BR" smtClean="0"/>
-              <a:t>‹nº›</a:t>
+              <a:t>‹#›</a:t>
             </a:fld>
             <a:endParaRPr lang="pt-BR"/>
           </a:p>
@@ -1858,10 +1867,9 @@
           <a:lstStyle/>
           <a:p>
             <a:r>
-              <a:rPr lang="pt-BR" smtClean="0"/>
+              <a:rPr lang="pt-BR"/>
               <a:t>Clique para editar o título mestre</a:t>
             </a:r>
-            <a:endParaRPr lang="pt-BR"/>
           </a:p>
         </p:txBody>
       </p:sp>
@@ -1882,7 +1890,7 @@
           <a:p>
             <a:fld id="{3F9B73F4-B5EF-4BFE-8F68-05AE23C6DCB2}" type="datetimeFigureOut">
               <a:rPr lang="pt-BR" smtClean="0"/>
-              <a:t>05/03/2020</a:t>
+              <a:t>31/10/2020</a:t>
             </a:fld>
             <a:endParaRPr lang="pt-BR"/>
           </a:p>
@@ -1924,7 +1932,7 @@
           <a:p>
             <a:fld id="{ECD83A6D-9EFB-4C81-8AE5-C919D0F7D16C}" type="slidenum">
               <a:rPr lang="pt-BR" smtClean="0"/>
-              <a:t>‹nº›</a:t>
+              <a:t>‹#›</a:t>
             </a:fld>
             <a:endParaRPr lang="pt-BR"/>
           </a:p>
@@ -1977,7 +1985,7 @@
           <a:p>
             <a:fld id="{3F9B73F4-B5EF-4BFE-8F68-05AE23C6DCB2}" type="datetimeFigureOut">
               <a:rPr lang="pt-BR" smtClean="0"/>
-              <a:t>05/03/2020</a:t>
+              <a:t>31/10/2020</a:t>
             </a:fld>
             <a:endParaRPr lang="pt-BR"/>
           </a:p>
@@ -2019,7 +2027,7 @@
           <a:p>
             <a:fld id="{ECD83A6D-9EFB-4C81-8AE5-C919D0F7D16C}" type="slidenum">
               <a:rPr lang="pt-BR" smtClean="0"/>
-              <a:t>‹nº›</a:t>
+              <a:t>‹#›</a:t>
             </a:fld>
             <a:endParaRPr lang="pt-BR"/>
           </a:p>
@@ -2080,10 +2088,9 @@
           </a:lstStyle>
           <a:p>
             <a:r>
-              <a:rPr lang="pt-BR" smtClean="0"/>
+              <a:rPr lang="pt-BR"/>
               <a:t>Clique para editar o título mestre</a:t>
             </a:r>
-            <a:endParaRPr lang="pt-BR"/>
           </a:p>
         </p:txBody>
       </p:sp>
@@ -2137,38 +2144,37 @@
           <a:p>
             <a:pPr lvl="0"/>
             <a:r>
-              <a:rPr lang="pt-BR" smtClean="0"/>
+              <a:rPr lang="pt-BR"/>
               <a:t>Clique para editar o texto mestre</a:t>
             </a:r>
           </a:p>
           <a:p>
             <a:pPr lvl="1"/>
             <a:r>
-              <a:rPr lang="pt-BR" smtClean="0"/>
+              <a:rPr lang="pt-BR"/>
               <a:t>Segundo nível</a:t>
             </a:r>
           </a:p>
           <a:p>
             <a:pPr lvl="2"/>
             <a:r>
-              <a:rPr lang="pt-BR" smtClean="0"/>
+              <a:rPr lang="pt-BR"/>
               <a:t>Terceiro nível</a:t>
             </a:r>
           </a:p>
           <a:p>
             <a:pPr lvl="3"/>
             <a:r>
-              <a:rPr lang="pt-BR" smtClean="0"/>
+              <a:rPr lang="pt-BR"/>
               <a:t>Quarto nível</a:t>
             </a:r>
           </a:p>
           <a:p>
             <a:pPr lvl="4"/>
             <a:r>
-              <a:rPr lang="pt-BR" smtClean="0"/>
+              <a:rPr lang="pt-BR"/>
               <a:t>Quinto nível</a:t>
             </a:r>
-            <a:endParaRPr lang="pt-BR"/>
           </a:p>
         </p:txBody>
       </p:sp>
@@ -2231,7 +2237,7 @@
           <a:p>
             <a:pPr lvl="0"/>
             <a:r>
-              <a:rPr lang="pt-BR" smtClean="0"/>
+              <a:rPr lang="pt-BR"/>
               <a:t>Clique para editar o texto mestre</a:t>
             </a:r>
           </a:p>
@@ -2254,7 +2260,7 @@
           <a:p>
             <a:fld id="{3F9B73F4-B5EF-4BFE-8F68-05AE23C6DCB2}" type="datetimeFigureOut">
               <a:rPr lang="pt-BR" smtClean="0"/>
-              <a:t>05/03/2020</a:t>
+              <a:t>31/10/2020</a:t>
             </a:fld>
             <a:endParaRPr lang="pt-BR"/>
           </a:p>
@@ -2296,7 +2302,7 @@
           <a:p>
             <a:fld id="{ECD83A6D-9EFB-4C81-8AE5-C919D0F7D16C}" type="slidenum">
               <a:rPr lang="pt-BR" smtClean="0"/>
-              <a:t>‹nº›</a:t>
+              <a:t>‹#›</a:t>
             </a:fld>
             <a:endParaRPr lang="pt-BR"/>
           </a:p>
@@ -2357,10 +2363,9 @@
           </a:lstStyle>
           <a:p>
             <a:r>
-              <a:rPr lang="pt-BR" smtClean="0"/>
+              <a:rPr lang="pt-BR"/>
               <a:t>Clique para editar o título mestre</a:t>
             </a:r>
-            <a:endParaRPr lang="pt-BR"/>
           </a:p>
         </p:txBody>
       </p:sp>
@@ -2484,7 +2489,7 @@
           <a:p>
             <a:pPr lvl="0"/>
             <a:r>
-              <a:rPr lang="pt-BR" smtClean="0"/>
+              <a:rPr lang="pt-BR"/>
               <a:t>Clique para editar o texto mestre</a:t>
             </a:r>
           </a:p>
@@ -2507,7 +2512,7 @@
           <a:p>
             <a:fld id="{3F9B73F4-B5EF-4BFE-8F68-05AE23C6DCB2}" type="datetimeFigureOut">
               <a:rPr lang="pt-BR" smtClean="0"/>
-              <a:t>05/03/2020</a:t>
+              <a:t>31/10/2020</a:t>
             </a:fld>
             <a:endParaRPr lang="pt-BR"/>
           </a:p>
@@ -2549,7 +2554,7 @@
           <a:p>
             <a:fld id="{ECD83A6D-9EFB-4C81-8AE5-C919D0F7D16C}" type="slidenum">
               <a:rPr lang="pt-BR" smtClean="0"/>
-              <a:t>‹nº›</a:t>
+              <a:t>‹#›</a:t>
             </a:fld>
             <a:endParaRPr lang="pt-BR"/>
           </a:p>
@@ -2616,10 +2621,9 @@
           <a:lstStyle/>
           <a:p>
             <a:r>
-              <a:rPr lang="pt-BR" smtClean="0"/>
+              <a:rPr lang="pt-BR"/>
               <a:t>Clique para editar o título mestre</a:t>
             </a:r>
-            <a:endParaRPr lang="pt-BR"/>
           </a:p>
         </p:txBody>
       </p:sp>
@@ -2650,38 +2654,37 @@
           <a:p>
             <a:pPr lvl="0"/>
             <a:r>
-              <a:rPr lang="pt-BR" smtClean="0"/>
+              <a:rPr lang="pt-BR"/>
               <a:t>Clique para editar o texto mestre</a:t>
             </a:r>
           </a:p>
           <a:p>
             <a:pPr lvl="1"/>
             <a:r>
-              <a:rPr lang="pt-BR" smtClean="0"/>
+              <a:rPr lang="pt-BR"/>
               <a:t>Segundo nível</a:t>
             </a:r>
           </a:p>
           <a:p>
             <a:pPr lvl="2"/>
             <a:r>
-              <a:rPr lang="pt-BR" smtClean="0"/>
+              <a:rPr lang="pt-BR"/>
               <a:t>Terceiro nível</a:t>
             </a:r>
           </a:p>
           <a:p>
             <a:pPr lvl="3"/>
             <a:r>
-              <a:rPr lang="pt-BR" smtClean="0"/>
+              <a:rPr lang="pt-BR"/>
               <a:t>Quarto nível</a:t>
             </a:r>
           </a:p>
           <a:p>
             <a:pPr lvl="4"/>
             <a:r>
-              <a:rPr lang="pt-BR" smtClean="0"/>
+              <a:rPr lang="pt-BR"/>
               <a:t>Quinto nível</a:t>
             </a:r>
-            <a:endParaRPr lang="pt-BR"/>
           </a:p>
         </p:txBody>
       </p:sp>
@@ -2720,7 +2723,7 @@
           <a:p>
             <a:fld id="{3F9B73F4-B5EF-4BFE-8F68-05AE23C6DCB2}" type="datetimeFigureOut">
               <a:rPr lang="pt-BR" smtClean="0"/>
-              <a:t>05/03/2020</a:t>
+              <a:t>31/10/2020</a:t>
             </a:fld>
             <a:endParaRPr lang="pt-BR"/>
           </a:p>
@@ -2798,7 +2801,7 @@
           <a:p>
             <a:fld id="{ECD83A6D-9EFB-4C81-8AE5-C919D0F7D16C}" type="slidenum">
               <a:rPr lang="pt-BR" smtClean="0"/>
-              <a:t>‹nº›</a:t>
+              <a:t>‹#›</a:t>
             </a:fld>
             <a:endParaRPr lang="pt-BR"/>
           </a:p>
@@ -3112,19 +3115,15 @@
           <a:noFill/>
         </p:spPr>
         <p:txBody>
-          <a:bodyPr wrap="square" rtlCol="0">
+          <a:bodyPr wrap="square" lIns="91440" tIns="45720" rIns="91440" bIns="45720" rtlCol="0" anchor="t">
             <a:spAutoFit/>
           </a:bodyPr>
           <a:lstStyle/>
           <a:p>
             <a:pPr algn="ctr"/>
             <a:r>
-              <a:rPr lang="en-US" dirty="0" smtClean="0"/>
-              <a:t>Att</a:t>
-            </a:r>
-            <a:r>
-              <a:rPr lang="en-US" dirty="0" smtClean="0"/>
-              <a:t>ack examples</a:t>
+              <a:rPr lang="en-US" dirty="0"/>
+              <a:t>Attack example(s)</a:t>
             </a:r>
             <a:endParaRPr lang="pt-BR" dirty="0"/>
           </a:p>
@@ -3167,14 +3166,14 @@
             <a:lstStyle/>
             <a:p>
               <a:r>
-                <a:rPr lang="en-US" dirty="0" smtClean="0"/>
+                <a:rPr lang="en-US" dirty="0"/>
                 <a:t>Benign</a:t>
               </a:r>
             </a:p>
             <a:p>
               <a:pPr algn="ctr"/>
               <a:r>
-                <a:rPr lang="en-US" dirty="0" smtClean="0"/>
+                <a:rPr lang="en-US" dirty="0"/>
                 <a:t>Traffic</a:t>
               </a:r>
               <a:endParaRPr lang="pt-BR" dirty="0"/>
@@ -3276,14 +3275,14 @@
           <a:p>
             <a:pPr algn="ctr"/>
             <a:r>
-              <a:rPr lang="en-US" b="1" dirty="0" smtClean="0"/>
+              <a:rPr lang="en-US" b="1" dirty="0"/>
               <a:t>Reverse</a:t>
             </a:r>
           </a:p>
           <a:p>
             <a:pPr algn="ctr"/>
             <a:r>
-              <a:rPr lang="en-US" b="1" dirty="0" smtClean="0"/>
+              <a:rPr lang="en-US" b="1" dirty="0"/>
               <a:t>Engineering</a:t>
             </a:r>
             <a:endParaRPr lang="pt-BR" b="1" dirty="0"/>
@@ -3348,14 +3347,14 @@
           <a:p>
             <a:pPr algn="ctr"/>
             <a:r>
-              <a:rPr lang="en-US" b="1" dirty="0" smtClean="0"/>
+              <a:rPr lang="en-US" b="1" dirty="0"/>
               <a:t>Rules</a:t>
             </a:r>
           </a:p>
           <a:p>
             <a:pPr algn="ctr"/>
             <a:r>
-              <a:rPr lang="en-US" b="1" dirty="0" smtClean="0"/>
+              <a:rPr lang="en-US" b="1" dirty="0"/>
               <a:t>Creation</a:t>
             </a:r>
             <a:endParaRPr lang="pt-BR" b="1" dirty="0"/>
@@ -3400,14 +3399,14 @@
             <a:p>
               <a:pPr algn="ctr"/>
               <a:r>
-                <a:rPr lang="en-US" dirty="0" smtClean="0"/>
+                <a:rPr lang="en-US" dirty="0"/>
                 <a:t>Existing </a:t>
               </a:r>
             </a:p>
             <a:p>
               <a:pPr algn="ctr"/>
               <a:r>
-                <a:rPr lang="en-US" dirty="0" smtClean="0"/>
+                <a:rPr lang="en-US" dirty="0"/>
                 <a:t>Rules</a:t>
               </a:r>
               <a:endParaRPr lang="pt-BR" dirty="0"/>
@@ -3476,7 +3475,7 @@
           <a:lstStyle/>
           <a:p>
             <a:r>
-              <a:rPr lang="en-US" b="1" dirty="0" smtClean="0"/>
+              <a:rPr lang="en-US" b="1" dirty="0"/>
               <a:t>Ranking</a:t>
             </a:r>
             <a:endParaRPr lang="pt-BR" b="1" dirty="0"/>
@@ -3506,7 +3505,7 @@
           <a:lstStyle/>
           <a:p>
             <a:r>
-              <a:rPr lang="pt-BR" sz="3600" dirty="0" smtClean="0">
+              <a:rPr lang="pt-BR" sz="3600" dirty="0">
                 <a:latin typeface="Wingdings" panose="05000000000000000000" pitchFamily="2" charset="2"/>
                 <a:sym typeface="Wingdings"/>
               </a:rPr>
@@ -3539,7 +3538,7 @@
           <a:lstStyle/>
           <a:p>
             <a:r>
-              <a:rPr lang="pt-BR" sz="3600" dirty="0" smtClean="0">
+              <a:rPr lang="pt-BR" sz="3600" dirty="0">
                 <a:latin typeface="Wingdings" panose="05000000000000000000" pitchFamily="2" charset="2"/>
                 <a:sym typeface="Wingdings"/>
               </a:rPr>
@@ -3653,7 +3652,7 @@
           <a:p>
             <a:pPr algn="ctr"/>
             <a:r>
-              <a:rPr lang="en-US" dirty="0" smtClean="0"/>
+              <a:rPr lang="en-US" dirty="0"/>
               <a:t>Ranked list of plausible rules</a:t>
             </a:r>
             <a:endParaRPr lang="pt-BR" dirty="0"/>
@@ -3684,7 +3683,7 @@
           <a:p>
             <a:pPr algn="ctr"/>
             <a:r>
-              <a:rPr lang="en-US" dirty="0" smtClean="0"/>
+              <a:rPr lang="en-US" dirty="0"/>
               <a:t>plausible rules</a:t>
             </a:r>
             <a:endParaRPr lang="pt-BR" dirty="0"/>
@@ -3715,11 +3714,11 @@
           <a:p>
             <a:pPr algn="ctr"/>
             <a:r>
-              <a:rPr lang="en-US" dirty="0" err="1" smtClean="0"/>
+              <a:rPr lang="en-US" dirty="0" err="1"/>
               <a:t>overspecified</a:t>
             </a:r>
             <a:r>
-              <a:rPr lang="en-US" dirty="0" smtClean="0"/>
+              <a:rPr lang="en-US" dirty="0"/>
               <a:t> rule</a:t>
             </a:r>
             <a:endParaRPr lang="pt-BR" dirty="0"/>
@@ -3955,13 +3954,6 @@
   <p:clrMapOvr>
     <a:masterClrMapping/>
   </p:clrMapOvr>
-  <p:timing>
-    <p:tnLst>
-      <p:par>
-        <p:cTn id="1" dur="indefinite" restart="never" nodeType="tmRoot"/>
-      </p:par>
-    </p:tnLst>
-  </p:timing>
 </p:sld>
 </file>
 
